--- a/docs/Презентация к диплому.pptx
+++ b/docs/Презентация к диплому.pptx
@@ -1,23 +1,23 @@
 
 <file path=ppt/presentation.xml><?xml version="1.0" encoding="utf-8"?>
-<p:presentation xmlns:a="http://schemas.openxmlformats.org/drawingml/2006/main" xmlns:r="http://schemas.openxmlformats.org/officeDocument/2006/relationships" xmlns:p="http://schemas.openxmlformats.org/presentationml/2006/main">
+<p:presentation xmlns:a="http://schemas.openxmlformats.org/drawingml/2006/main" xmlns:r="http://schemas.openxmlformats.org/officeDocument/2006/relationships" xmlns:p="http://schemas.openxmlformats.org/presentationml/2006/main" showSpecialPlsOnTitleSld="0">
   <p:sldMasterIdLst>
     <p:sldMasterId id="2147483648" r:id="rId1"/>
   </p:sldMasterIdLst>
   <p:notesMasterIdLst>
-    <p:notesMasterId r:id="rId2"/>
+    <p:notesMasterId r:id="rId12"/>
   </p:notesMasterIdLst>
   <p:sldIdLst>
-    <p:sldId id="256" r:id="rId3"/>
-    <p:sldId id="257" r:id="rId4"/>
-    <p:sldId id="261" r:id="rId5"/>
-    <p:sldId id="265" r:id="rId6"/>
-    <p:sldId id="258" r:id="rId7"/>
-    <p:sldId id="259" r:id="rId8"/>
-    <p:sldId id="260" r:id="rId9"/>
-    <p:sldId id="262" r:id="rId10"/>
-    <p:sldId id="263" r:id="rId11"/>
-    <p:sldId id="264" r:id="rId12"/>
+    <p:sldId id="256" r:id="rId2"/>
+    <p:sldId id="257" r:id="rId3"/>
+    <p:sldId id="261" r:id="rId4"/>
+    <p:sldId id="265" r:id="rId5"/>
+    <p:sldId id="258" r:id="rId6"/>
+    <p:sldId id="259" r:id="rId7"/>
+    <p:sldId id="260" r:id="rId8"/>
+    <p:sldId id="262" r:id="rId9"/>
+    <p:sldId id="263" r:id="rId10"/>
+    <p:sldId id="264" r:id="rId11"/>
   </p:sldIdLst>
   <p:sldSz cx="12192000" cy="6858000"/>
   <p:notesSz cx="6858000" cy="9144000"/>
@@ -119,10 +119,6 @@
 </p:presentation>
 </file>
 
-<file path=ppt/revisionInfo.xml><?xml version="1.0" encoding="utf-8"?>
-<p1510:revInfo xmlns:a="http://schemas.openxmlformats.org/drawingml/2006/main" xmlns:r="http://schemas.openxmlformats.org/officeDocument/2006/relationships" xmlns:p1510="http://schemas.microsoft.com/office/powerpoint/2015/10/main"/>
-</file>
-
 <file path=ppt/notesMasters/notesMaster1.xml><?xml version="1.0" encoding="utf-8"?>
 <p:notesMaster xmlns:a="http://schemas.openxmlformats.org/drawingml/2006/main" xmlns:r="http://schemas.openxmlformats.org/officeDocument/2006/relationships" xmlns:p="http://schemas.openxmlformats.org/presentationml/2006/main">
   <p:cSld>
@@ -171,7 +167,9 @@
               <a:defRPr sz="1200"/>
             </a:lvl1pPr>
           </a:lstStyle>
-          <a:p/>
+          <a:p>
+            <a:endParaRPr/>
+          </a:p>
           <a:p>
             <a:endParaRPr lang="en-US"/>
           </a:p>
@@ -203,7 +201,9 @@
               <a:defRPr sz="1200"/>
             </a:lvl1pPr>
           </a:lstStyle>
-          <a:p/>
+          <a:p>
+            <a:endParaRPr/>
+          </a:p>
           <a:p>
             <a:r>
               <a:rPr lang="en-US" smtClean="0"/>
@@ -241,7 +241,9 @@
         <p:txBody>
           <a:bodyPr vert="horz" lIns="91440" tIns="45720" rIns="91440" bIns="45720" rtlCol="0" anchor="ctr"/>
           <a:lstStyle/>
-          <a:p/>
+          <a:p>
+            <a:endParaRPr/>
+          </a:p>
           <a:p>
             <a:endParaRPr lang="en-US"/>
           </a:p>
@@ -337,7 +339,9 @@
               <a:defRPr sz="1200"/>
             </a:lvl1pPr>
           </a:lstStyle>
-          <a:p/>
+          <a:p>
+            <a:endParaRPr/>
+          </a:p>
           <a:p>
             <a:endParaRPr lang="en-US"/>
           </a:p>
@@ -369,7 +373,9 @@
               <a:defRPr sz="1200"/>
             </a:lvl1pPr>
           </a:lstStyle>
-          <a:p/>
+          <a:p>
+            <a:endParaRPr/>
+          </a:p>
           <a:p>
             <a:r>
               <a:rPr lang="en-US" smtClean="0"/>
@@ -380,9 +386,14 @@
         </p:txBody>
       </p:sp>
     </p:spTree>
+    <p:extLst>
+      <p:ext uri="{BB962C8B-B14F-4D97-AF65-F5344CB8AC3E}">
+        <p14:creationId xmlns:p14="http://schemas.microsoft.com/office/powerpoint/2010/main" val="2258919416"/>
+      </p:ext>
+    </p:extLst>
   </p:cSld>
   <p:clrMap bg1="lt1" tx1="dk1" bg2="lt2" tx2="dk2" accent1="accent1" accent2="accent2" accent3="accent3" accent4="accent4" accent5="accent5" accent6="accent6" hlink="hlink" folHlink="folHlink"/>
-  <p:hf dt="0" sldNum="0" hdr="0" ftr="0"/>
+  <p:hf sldNum="0" hdr="0" ftr="0" dt="0"/>
   <p:notesStyle>
     <a:lvl1pPr marL="0" algn="l" defTabSz="914400" rtl="0" eaLnBrk="1" latinLnBrk="0" hangingPunct="1">
       <a:defRPr sz="1200" kern="1200">
@@ -517,7 +528,9 @@
         <p:txBody>
           <a:bodyPr/>
           <a:lstStyle/>
-          <a:p/>
+          <a:p>
+            <a:endParaRPr/>
+          </a:p>
         </p:txBody>
       </p:sp>
       <p:sp>
@@ -564,7 +577,7 @@
           <a:p>
             <a:fld id="{A74F21DE-346C-4CF1-AE53-CBD49D77ED0D}" type="slidenum">
               <a:rPr lang="en-US" smtClean="0"/>
-              <a:t>‹#›</a:t>
+              <a:t>1</a:t>
             </a:fld>
             <a:endParaRPr lang="en-US"/>
           </a:p>
@@ -617,7 +630,9 @@
         <p:txBody>
           <a:bodyPr/>
           <a:lstStyle/>
-          <a:p/>
+          <a:p>
+            <a:endParaRPr/>
+          </a:p>
         </p:txBody>
       </p:sp>
       <p:sp>
@@ -664,7 +679,7 @@
           <a:p>
             <a:fld id="{518B1943-C9D8-45CA-87B0-14A35DE752AC}" type="slidenum">
               <a:rPr lang="en-US" smtClean="0"/>
-              <a:t>‹#›</a:t>
+              <a:t>10</a:t>
             </a:fld>
             <a:endParaRPr lang="en-US"/>
           </a:p>
@@ -717,7 +732,9 @@
         <p:txBody>
           <a:bodyPr/>
           <a:lstStyle/>
-          <a:p/>
+          <a:p>
+            <a:endParaRPr/>
+          </a:p>
         </p:txBody>
       </p:sp>
       <p:sp>
@@ -764,7 +781,7 @@
           <a:p>
             <a:fld id="{1D1A8E36-F946-4CF3-A77C-461BD86C1FC7}" type="slidenum">
               <a:rPr lang="en-US" smtClean="0"/>
-              <a:t>‹#›</a:t>
+              <a:t>2</a:t>
             </a:fld>
             <a:endParaRPr lang="en-US"/>
           </a:p>
@@ -817,7 +834,9 @@
         <p:txBody>
           <a:bodyPr/>
           <a:lstStyle/>
-          <a:p/>
+          <a:p>
+            <a:endParaRPr/>
+          </a:p>
         </p:txBody>
       </p:sp>
       <p:sp>
@@ -864,7 +883,7 @@
           <a:p>
             <a:fld id="{562793FD-5C38-4DDE-84BA-427767E12FB2}" type="slidenum">
               <a:rPr lang="en-US" smtClean="0"/>
-              <a:t>‹#›</a:t>
+              <a:t>3</a:t>
             </a:fld>
             <a:endParaRPr lang="en-US"/>
           </a:p>
@@ -917,7 +936,9 @@
         <p:txBody>
           <a:bodyPr/>
           <a:lstStyle/>
-          <a:p/>
+          <a:p>
+            <a:endParaRPr/>
+          </a:p>
         </p:txBody>
       </p:sp>
       <p:sp>
@@ -964,7 +985,7 @@
           <a:p>
             <a:fld id="{26BAED8E-BE14-437F-BBEF-973D84CBDD89}" type="slidenum">
               <a:rPr lang="en-US" smtClean="0"/>
-              <a:t>‹#›</a:t>
+              <a:t>4</a:t>
             </a:fld>
             <a:endParaRPr lang="en-US"/>
           </a:p>
@@ -1017,7 +1038,9 @@
         <p:txBody>
           <a:bodyPr/>
           <a:lstStyle/>
-          <a:p/>
+          <a:p>
+            <a:endParaRPr/>
+          </a:p>
         </p:txBody>
       </p:sp>
       <p:sp>
@@ -1064,7 +1087,7 @@
           <a:p>
             <a:fld id="{62A5A204-6C91-4215-BFE1-A89DF8DEB492}" type="slidenum">
               <a:rPr lang="en-US" smtClean="0"/>
-              <a:t>‹#›</a:t>
+              <a:t>5</a:t>
             </a:fld>
             <a:endParaRPr lang="en-US"/>
           </a:p>
@@ -1117,7 +1140,9 @@
         <p:txBody>
           <a:bodyPr/>
           <a:lstStyle/>
-          <a:p/>
+          <a:p>
+            <a:endParaRPr/>
+          </a:p>
         </p:txBody>
       </p:sp>
       <p:sp>
@@ -1164,7 +1189,7 @@
           <a:p>
             <a:fld id="{32C704E5-94A0-46DB-AC1F-1361D315DB62}" type="slidenum">
               <a:rPr lang="en-US" smtClean="0"/>
-              <a:t>‹#›</a:t>
+              <a:t>6</a:t>
             </a:fld>
             <a:endParaRPr lang="en-US"/>
           </a:p>
@@ -1217,7 +1242,9 @@
         <p:txBody>
           <a:bodyPr/>
           <a:lstStyle/>
-          <a:p/>
+          <a:p>
+            <a:endParaRPr/>
+          </a:p>
         </p:txBody>
       </p:sp>
       <p:sp>
@@ -1264,7 +1291,7 @@
           <a:p>
             <a:fld id="{444EC187-F162-4AD3-9744-9E9036480BDE}" type="slidenum">
               <a:rPr lang="en-US" smtClean="0"/>
-              <a:t>‹#›</a:t>
+              <a:t>7</a:t>
             </a:fld>
             <a:endParaRPr lang="en-US"/>
           </a:p>
@@ -1317,7 +1344,9 @@
         <p:txBody>
           <a:bodyPr/>
           <a:lstStyle/>
-          <a:p/>
+          <a:p>
+            <a:endParaRPr/>
+          </a:p>
         </p:txBody>
       </p:sp>
       <p:sp>
@@ -1364,7 +1393,7 @@
           <a:p>
             <a:fld id="{1951785B-C586-46C9-9F17-5D8F2F198321}" type="slidenum">
               <a:rPr lang="en-US" smtClean="0"/>
-              <a:t>‹#›</a:t>
+              <a:t>8</a:t>
             </a:fld>
             <a:endParaRPr lang="en-US"/>
           </a:p>
@@ -1417,7 +1446,9 @@
         <p:txBody>
           <a:bodyPr/>
           <a:lstStyle/>
-          <a:p/>
+          <a:p>
+            <a:endParaRPr/>
+          </a:p>
         </p:txBody>
       </p:sp>
       <p:sp>
@@ -1464,7 +1495,7 @@
           <a:p>
             <a:fld id="{D975E8DD-1B19-4E51-A30D-0C26166394DF}" type="slidenum">
               <a:rPr lang="en-US" smtClean="0"/>
-              <a:t>‹#›</a:t>
+              <a:t>9</a:t>
             </a:fld>
             <a:endParaRPr lang="en-US"/>
           </a:p>
@@ -1606,7 +1637,7 @@
           <a:bodyPr/>
           <a:lstStyle/>
           <a:p>
-            <a:fld id="{71FD7FF2-845F-41B9-944F-35B90659B7D6}" type="datetimeFigureOut">
+            <a:fld id="{301B0F07-D072-4D9C-B077-F83E23D0EFB9}" type="datetime1">
               <a:rPr lang="en-US" smtClean="0"/>
               <a:t>10/24/2024</a:t>
             </a:fld>
@@ -1661,7 +1692,6 @@
   <p:clrMapOvr>
     <a:masterClrMapping/>
   </p:clrMapOvr>
-  <p:hf dt="0" sldNum="0" hdr="0" ftr="0"/>
 </p:sldLayout>
 </file>
 
@@ -1770,7 +1800,7 @@
           <a:bodyPr/>
           <a:lstStyle/>
           <a:p>
-            <a:fld id="{71FD7FF2-845F-41B9-944F-35B90659B7D6}" type="datetimeFigureOut">
+            <a:fld id="{A1AC6B33-044B-4F2E-9CA4-F3A0CA70327D}" type="datetime1">
               <a:rPr lang="en-US" smtClean="0"/>
               <a:t>10/24/2024</a:t>
             </a:fld>
@@ -1825,7 +1855,6 @@
   <p:clrMapOvr>
     <a:masterClrMapping/>
   </p:clrMapOvr>
-  <p:hf dt="0" sldNum="0" hdr="0" ftr="0"/>
 </p:sldLayout>
 </file>
 
@@ -1944,7 +1973,7 @@
           <a:bodyPr/>
           <a:lstStyle/>
           <a:p>
-            <a:fld id="{71FD7FF2-845F-41B9-944F-35B90659B7D6}" type="datetimeFigureOut">
+            <a:fld id="{3633E808-D528-4FC7-9BD1-CCB8E2C3B12B}" type="datetime1">
               <a:rPr lang="en-US" smtClean="0"/>
               <a:t>10/24/2024</a:t>
             </a:fld>
@@ -1999,7 +2028,6 @@
   <p:clrMapOvr>
     <a:masterClrMapping/>
   </p:clrMapOvr>
-  <p:hf dt="0" sldNum="0" hdr="0" ftr="0"/>
 </p:sldLayout>
 </file>
 
@@ -2108,7 +2136,7 @@
           <a:bodyPr/>
           <a:lstStyle/>
           <a:p>
-            <a:fld id="{71FD7FF2-845F-41B9-944F-35B90659B7D6}" type="datetimeFigureOut">
+            <a:fld id="{2220A681-A676-4FC4-B4EF-5E23EEB6AB97}" type="datetime1">
               <a:rPr lang="en-US" smtClean="0"/>
               <a:t>10/24/2024</a:t>
             </a:fld>
@@ -2163,7 +2191,6 @@
   <p:clrMapOvr>
     <a:masterClrMapping/>
   </p:clrMapOvr>
-  <p:hf dt="0" sldNum="0" hdr="0" ftr="0"/>
 </p:sldLayout>
 </file>
 
@@ -2349,7 +2376,7 @@
           <a:bodyPr/>
           <a:lstStyle/>
           <a:p>
-            <a:fld id="{71FD7FF2-845F-41B9-944F-35B90659B7D6}" type="datetimeFigureOut">
+            <a:fld id="{26E9C698-FB0C-446F-9D60-8C88E5F693BD}" type="datetime1">
               <a:rPr lang="en-US" smtClean="0"/>
               <a:t>10/24/2024</a:t>
             </a:fld>
@@ -2404,7 +2431,6 @@
   <p:clrMapOvr>
     <a:masterClrMapping/>
   </p:clrMapOvr>
-  <p:hf dt="0" sldNum="0" hdr="0" ftr="0"/>
 </p:sldLayout>
 </file>
 
@@ -2574,7 +2600,7 @@
           <a:bodyPr/>
           <a:lstStyle/>
           <a:p>
-            <a:fld id="{71FD7FF2-845F-41B9-944F-35B90659B7D6}" type="datetimeFigureOut">
+            <a:fld id="{213C0184-C1F3-450C-94E9-4B32764C871D}" type="datetime1">
               <a:rPr lang="en-US" smtClean="0"/>
               <a:t>10/24/2024</a:t>
             </a:fld>
@@ -2629,7 +2655,6 @@
   <p:clrMapOvr>
     <a:masterClrMapping/>
   </p:clrMapOvr>
-  <p:hf dt="0" sldNum="0" hdr="0" ftr="0"/>
 </p:sldLayout>
 </file>
 
@@ -2934,7 +2959,7 @@
           <a:bodyPr/>
           <a:lstStyle/>
           <a:p>
-            <a:fld id="{71FD7FF2-845F-41B9-944F-35B90659B7D6}" type="datetimeFigureOut">
+            <a:fld id="{3A6C6C44-E147-4650-8F36-84D9371F9C17}" type="datetime1">
               <a:rPr lang="en-US" smtClean="0"/>
               <a:t>10/24/2024</a:t>
             </a:fld>
@@ -2989,7 +3014,6 @@
   <p:clrMapOvr>
     <a:masterClrMapping/>
   </p:clrMapOvr>
-  <p:hf dt="0" sldNum="0" hdr="0" ftr="0"/>
 </p:sldLayout>
 </file>
 
@@ -3047,7 +3071,7 @@
           <a:bodyPr/>
           <a:lstStyle/>
           <a:p>
-            <a:fld id="{71FD7FF2-845F-41B9-944F-35B90659B7D6}" type="datetimeFigureOut">
+            <a:fld id="{30EF720F-F33F-426B-952C-78B483402169}" type="datetime1">
               <a:rPr lang="en-US" smtClean="0"/>
               <a:t>10/24/2024</a:t>
             </a:fld>
@@ -3102,7 +3126,6 @@
   <p:clrMapOvr>
     <a:masterClrMapping/>
   </p:clrMapOvr>
-  <p:hf dt="0" sldNum="0" hdr="0" ftr="0"/>
 </p:sldLayout>
 </file>
 
@@ -3138,7 +3161,7 @@
           <a:bodyPr/>
           <a:lstStyle/>
           <a:p>
-            <a:fld id="{71FD7FF2-845F-41B9-944F-35B90659B7D6}" type="datetimeFigureOut">
+            <a:fld id="{AF365DF5-4CF7-478B-9EB2-1ED52B7E5D01}" type="datetime1">
               <a:rPr lang="en-US" smtClean="0"/>
               <a:t>10/24/2024</a:t>
             </a:fld>
@@ -3193,7 +3216,6 @@
   <p:clrMapOvr>
     <a:masterClrMapping/>
   </p:clrMapOvr>
-  <p:hf dt="0" sldNum="0" hdr="0" ftr="0"/>
 </p:sldLayout>
 </file>
 
@@ -3409,7 +3431,7 @@
           <a:bodyPr/>
           <a:lstStyle/>
           <a:p>
-            <a:fld id="{71FD7FF2-845F-41B9-944F-35B90659B7D6}" type="datetimeFigureOut">
+            <a:fld id="{0A8EE6E6-D879-419F-8C97-62B9BA2BC500}" type="datetime1">
               <a:rPr lang="en-US" smtClean="0"/>
               <a:t>10/24/2024</a:t>
             </a:fld>
@@ -3464,7 +3486,6 @@
   <p:clrMapOvr>
     <a:masterClrMapping/>
   </p:clrMapOvr>
-  <p:hf dt="0" sldNum="0" hdr="0" ftr="0"/>
 </p:sldLayout>
 </file>
 
@@ -3658,7 +3679,7 @@
           <a:bodyPr/>
           <a:lstStyle/>
           <a:p>
-            <a:fld id="{71FD7FF2-845F-41B9-944F-35B90659B7D6}" type="datetimeFigureOut">
+            <a:fld id="{52CAA608-F86D-41EB-BFC3-45B7E7A22F24}" type="datetime1">
               <a:rPr lang="en-US" smtClean="0"/>
               <a:t>10/24/2024</a:t>
             </a:fld>
@@ -3713,7 +3734,6 @@
   <p:clrMapOvr>
     <a:masterClrMapping/>
   </p:clrMapOvr>
-  <p:hf dt="0" sldNum="0" hdr="0" ftr="0"/>
 </p:sldLayout>
 </file>
 
@@ -3865,7 +3885,7 @@
             </a:lvl1pPr>
           </a:lstStyle>
           <a:p>
-            <a:fld id="{71FD7FF2-845F-41B9-944F-35B90659B7D6}" type="datetimeFigureOut">
+            <a:fld id="{CE3EC0E0-2A5D-4723-BB88-D316612B56E8}" type="datetime1">
               <a:rPr lang="en-US" smtClean="0"/>
               <a:t>10/24/2024</a:t>
             </a:fld>
@@ -3967,7 +3987,7 @@
     <p:sldLayoutId id="2147483658" r:id="rId10"/>
     <p:sldLayoutId id="2147483659" r:id="rId11"/>
   </p:sldLayoutIdLst>
-  <p:hf dt="0" sldNum="0" hdr="0" ftr="0"/>
+  <p:hf hdr="0" ftr="0" dt="0"/>
   <p:txStyles>
     <p:titleStyle>
       <a:lvl1pPr algn="l" defTabSz="914400" rtl="0" eaLnBrk="1" latinLnBrk="0" hangingPunct="1">
@@ -3996,7 +4016,7 @@
         <a:spcBef>
           <a:spcPts val="1000"/>
         </a:spcBef>
-        <a:buFont typeface="Arial" pitchFamily="34" charset="0" panose="020B0604020202020204"/>
+        <a:buFont typeface="Arial" panose="020B0604020202020204" pitchFamily="34" charset="0"/>
         <a:buChar char="•"/>
         <a:defRPr sz="2800" kern="1200">
           <a:solidFill>
@@ -4014,7 +4034,7 @@
         <a:spcBef>
           <a:spcPts val="500"/>
         </a:spcBef>
-        <a:buFont typeface="Arial" pitchFamily="34" charset="0" panose="020B0604020202020204"/>
+        <a:buFont typeface="Arial" panose="020B0604020202020204" pitchFamily="34" charset="0"/>
         <a:buChar char="•"/>
         <a:defRPr sz="2400" kern="1200">
           <a:solidFill>
@@ -4032,7 +4052,7 @@
         <a:spcBef>
           <a:spcPts val="500"/>
         </a:spcBef>
-        <a:buFont typeface="Arial" pitchFamily="34" charset="0" panose="020B0604020202020204"/>
+        <a:buFont typeface="Arial" panose="020B0604020202020204" pitchFamily="34" charset="0"/>
         <a:buChar char="•"/>
         <a:defRPr sz="2000" kern="1200">
           <a:solidFill>
@@ -4050,7 +4070,7 @@
         <a:spcBef>
           <a:spcPts val="500"/>
         </a:spcBef>
-        <a:buFont typeface="Arial" pitchFamily="34" charset="0" panose="020B0604020202020204"/>
+        <a:buFont typeface="Arial" panose="020B0604020202020204" pitchFamily="34" charset="0"/>
         <a:buChar char="•"/>
         <a:defRPr sz="1800" kern="1200">
           <a:solidFill>
@@ -4068,7 +4088,7 @@
         <a:spcBef>
           <a:spcPts val="500"/>
         </a:spcBef>
-        <a:buFont typeface="Arial" pitchFamily="34" charset="0" panose="020B0604020202020204"/>
+        <a:buFont typeface="Arial" panose="020B0604020202020204" pitchFamily="34" charset="0"/>
         <a:buChar char="•"/>
         <a:defRPr sz="1800" kern="1200">
           <a:solidFill>
@@ -4086,7 +4106,7 @@
         <a:spcBef>
           <a:spcPts val="500"/>
         </a:spcBef>
-        <a:buFont typeface="Arial" pitchFamily="34" charset="0" panose="020B0604020202020204"/>
+        <a:buFont typeface="Arial" panose="020B0604020202020204" pitchFamily="34" charset="0"/>
         <a:buChar char="•"/>
         <a:defRPr sz="1800" kern="1200">
           <a:solidFill>
@@ -4104,7 +4124,7 @@
         <a:spcBef>
           <a:spcPts val="500"/>
         </a:spcBef>
-        <a:buFont typeface="Arial" pitchFamily="34" charset="0" panose="020B0604020202020204"/>
+        <a:buFont typeface="Arial" panose="020B0604020202020204" pitchFamily="34" charset="0"/>
         <a:buChar char="•"/>
         <a:defRPr sz="1800" kern="1200">
           <a:solidFill>
@@ -4122,7 +4142,7 @@
         <a:spcBef>
           <a:spcPts val="500"/>
         </a:spcBef>
-        <a:buFont typeface="Arial" pitchFamily="34" charset="0" panose="020B0604020202020204"/>
+        <a:buFont typeface="Arial" panose="020B0604020202020204" pitchFamily="34" charset="0"/>
         <a:buChar char="•"/>
         <a:defRPr sz="1800" kern="1200">
           <a:solidFill>
@@ -4140,7 +4160,7 @@
         <a:spcBef>
           <a:spcPts val="500"/>
         </a:spcBef>
-        <a:buFont typeface="Arial" pitchFamily="34" charset="0" panose="020B0604020202020204"/>
+        <a:buFont typeface="Arial" panose="020B0604020202020204" pitchFamily="34" charset="0"/>
         <a:buChar char="•"/>
         <a:defRPr sz="1800" kern="1200">
           <a:solidFill>
@@ -4280,55 +4300,124 @@
         </p:nvSpPr>
         <p:spPr>
           <a:xfrm>
-            <a:off x="362297" y="2754552"/>
-            <a:ext cx="10157163" cy="1519175"/>
+            <a:off x="362297" y="2496384"/>
+            <a:ext cx="10157163" cy="2035512"/>
           </a:xfrm>
         </p:spPr>
         <p:txBody>
-          <a:bodyPr/>
+          <a:bodyPr anchor="ctr">
+            <a:normAutofit/>
+          </a:bodyPr>
           <a:lstStyle/>
           <a:p>
             <a:pPr algn="l"/>
             <a:r>
-              <a:rPr lang="ru-RU" sz="3200">
-                <a:latin typeface="Times New Roman" pitchFamily="18" charset="0" panose="02020603050405020304"/>
-                <a:ea typeface="Times New Roman" pitchFamily="18" charset="0" panose="02020603050405020304"/>
-                <a:cs typeface="Times New Roman" pitchFamily="18" charset="0" panose="02020603050405020304"/>
-              </a:rPr>
-              <a:t>Дипломная работа по курсу "Тестирование программного обеспечения" на тему:</a:t>
-            </a:r>
-            <a:endParaRPr lang="en-US" sz="3200">
-              <a:latin typeface="Times New Roman" pitchFamily="18" charset="0" panose="02020603050405020304"/>
-              <a:ea typeface="Times New Roman" pitchFamily="18" charset="0" panose="02020603050405020304"/>
-              <a:cs typeface="Times New Roman" pitchFamily="18" charset="0" panose="02020603050405020304"/>
+              <a:rPr lang="ru-RU" sz="2800" dirty="0">
+                <a:latin typeface="Times New Roman" panose="02020603050405020304" pitchFamily="18" charset="0"/>
+                <a:ea typeface="Times New Roman" panose="02020603050405020304" pitchFamily="18" charset="0"/>
+                <a:cs typeface="Times New Roman" panose="02020603050405020304" pitchFamily="18" charset="0"/>
+              </a:rPr>
+              <a:t>Дипломная работа по </a:t>
+            </a:r>
+            <a:r>
+              <a:rPr lang="ru-RU" sz="2800" dirty="0" smtClean="0">
+                <a:latin typeface="Times New Roman" panose="02020603050405020304" pitchFamily="18" charset="0"/>
+                <a:ea typeface="Times New Roman" panose="02020603050405020304" pitchFamily="18" charset="0"/>
+                <a:cs typeface="Times New Roman" panose="02020603050405020304" pitchFamily="18" charset="0"/>
+              </a:rPr>
+              <a:t>курсу</a:t>
+            </a:r>
+            <a:br>
+              <a:rPr lang="ru-RU" sz="2800" dirty="0" smtClean="0">
+                <a:latin typeface="Times New Roman" panose="02020603050405020304" pitchFamily="18" charset="0"/>
+                <a:ea typeface="Times New Roman" panose="02020603050405020304" pitchFamily="18" charset="0"/>
+                <a:cs typeface="Times New Roman" panose="02020603050405020304" pitchFamily="18" charset="0"/>
+              </a:rPr>
+            </a:br>
+            <a:r>
+              <a:rPr lang="ru-RU" sz="2800" dirty="0" smtClean="0">
+                <a:latin typeface="Times New Roman" panose="02020603050405020304" pitchFamily="18" charset="0"/>
+                <a:ea typeface="Times New Roman" panose="02020603050405020304" pitchFamily="18" charset="0"/>
+                <a:cs typeface="Times New Roman" panose="02020603050405020304" pitchFamily="18" charset="0"/>
+              </a:rPr>
+              <a:t>«Тестирование </a:t>
+            </a:r>
+            <a:r>
+              <a:rPr lang="ru-RU" sz="2800" dirty="0">
+                <a:latin typeface="Times New Roman" panose="02020603050405020304" pitchFamily="18" charset="0"/>
+                <a:ea typeface="Times New Roman" panose="02020603050405020304" pitchFamily="18" charset="0"/>
+                <a:cs typeface="Times New Roman" panose="02020603050405020304" pitchFamily="18" charset="0"/>
+              </a:rPr>
+              <a:t>программного </a:t>
+            </a:r>
+            <a:r>
+              <a:rPr lang="ru-RU" sz="2800" dirty="0" smtClean="0">
+                <a:latin typeface="Times New Roman" panose="02020603050405020304" pitchFamily="18" charset="0"/>
+                <a:ea typeface="Times New Roman" panose="02020603050405020304" pitchFamily="18" charset="0"/>
+                <a:cs typeface="Times New Roman" panose="02020603050405020304" pitchFamily="18" charset="0"/>
+              </a:rPr>
+              <a:t>обеспечения»</a:t>
+            </a:r>
+            <a:br>
+              <a:rPr lang="ru-RU" sz="2800" dirty="0" smtClean="0">
+                <a:latin typeface="Times New Roman" panose="02020603050405020304" pitchFamily="18" charset="0"/>
+                <a:ea typeface="Times New Roman" panose="02020603050405020304" pitchFamily="18" charset="0"/>
+                <a:cs typeface="Times New Roman" panose="02020603050405020304" pitchFamily="18" charset="0"/>
+              </a:rPr>
+            </a:br>
+            <a:r>
+              <a:rPr lang="ru-RU" sz="2800" dirty="0" smtClean="0">
+                <a:latin typeface="Times New Roman" panose="02020603050405020304" pitchFamily="18" charset="0"/>
+                <a:ea typeface="Times New Roman" panose="02020603050405020304" pitchFamily="18" charset="0"/>
+                <a:cs typeface="Times New Roman" panose="02020603050405020304" pitchFamily="18" charset="0"/>
+              </a:rPr>
+              <a:t>на </a:t>
+            </a:r>
+            <a:r>
+              <a:rPr lang="ru-RU" sz="2800" dirty="0">
+                <a:latin typeface="Times New Roman" panose="02020603050405020304" pitchFamily="18" charset="0"/>
+                <a:ea typeface="Times New Roman" panose="02020603050405020304" pitchFamily="18" charset="0"/>
+                <a:cs typeface="Times New Roman" panose="02020603050405020304" pitchFamily="18" charset="0"/>
+              </a:rPr>
+              <a:t>тему:</a:t>
+            </a:r>
+            <a:endParaRPr lang="en-US" sz="2800" dirty="0">
+              <a:latin typeface="Times New Roman" panose="02020603050405020304" pitchFamily="18" charset="0"/>
+              <a:ea typeface="Times New Roman" panose="02020603050405020304" pitchFamily="18" charset="0"/>
+              <a:cs typeface="Times New Roman" panose="02020603050405020304" pitchFamily="18" charset="0"/>
             </a:endParaRPr>
           </a:p>
           <a:p>
             <a:pPr algn="l"/>
             <a:r>
-              <a:rPr lang="ru-RU" sz="3200">
-                <a:latin typeface="Times New Roman" pitchFamily="18" charset="0" panose="02020603050405020304"/>
-                <a:ea typeface="Times New Roman" pitchFamily="18" charset="0" panose="02020603050405020304"/>
-                <a:cs typeface="Times New Roman" pitchFamily="18" charset="0" panose="02020603050405020304"/>
-              </a:rPr>
-              <a:t>Тестирование веб-сайта "</a:t>
-            </a:r>
-            <a:r>
-              <a:rPr lang="en-US" sz="3200">
-                <a:latin typeface="Times New Roman" pitchFamily="18" charset="0" panose="02020603050405020304"/>
-                <a:ea typeface="Times New Roman" pitchFamily="18" charset="0" panose="02020603050405020304"/>
-                <a:cs typeface="Times New Roman" pitchFamily="18" charset="0" panose="02020603050405020304"/>
+              <a:rPr lang="ru-RU" sz="2800" i="1" dirty="0" smtClean="0">
+                <a:latin typeface="Times New Roman" panose="02020603050405020304" pitchFamily="18" charset="0"/>
+                <a:ea typeface="Times New Roman" panose="02020603050405020304" pitchFamily="18" charset="0"/>
+                <a:cs typeface="Times New Roman" panose="02020603050405020304" pitchFamily="18" charset="0"/>
+              </a:rPr>
+              <a:t>Тестирование </a:t>
+            </a:r>
+            <a:r>
+              <a:rPr lang="ru-RU" sz="2800" i="1" dirty="0">
+                <a:latin typeface="Times New Roman" panose="02020603050405020304" pitchFamily="18" charset="0"/>
+                <a:ea typeface="Times New Roman" panose="02020603050405020304" pitchFamily="18" charset="0"/>
+                <a:cs typeface="Times New Roman" panose="02020603050405020304" pitchFamily="18" charset="0"/>
+              </a:rPr>
+              <a:t>веб-сайта </a:t>
+            </a:r>
+            <a:r>
+              <a:rPr lang="en-US" sz="2800" i="1" dirty="0" smtClean="0">
+                <a:latin typeface="Times New Roman" panose="02020603050405020304" pitchFamily="18" charset="0"/>
+                <a:ea typeface="Times New Roman" panose="02020603050405020304" pitchFamily="18" charset="0"/>
+                <a:cs typeface="Times New Roman" panose="02020603050405020304" pitchFamily="18" charset="0"/>
               </a:rPr>
               <a:t>Automation Exercise</a:t>
             </a:r>
-            <a:r>
-              <a:rPr lang="ru-RU" sz="3200">
-                <a:latin typeface="Times New Roman" pitchFamily="18" charset="0" panose="02020603050405020304"/>
-                <a:ea typeface="Times New Roman" pitchFamily="18" charset="0" panose="02020603050405020304"/>
-                <a:cs typeface="Times New Roman" pitchFamily="18" charset="0" panose="02020603050405020304"/>
-              </a:rPr>
-              <a:t>"</a:t>
-            </a:r>
+            <a:endParaRPr lang="ru-RU" sz="2800" i="1" dirty="0">
+              <a:latin typeface="Times New Roman" panose="02020603050405020304" pitchFamily="18" charset="0"/>
+              <a:ea typeface="Times New Roman" panose="02020603050405020304" pitchFamily="18" charset="0"/>
+              <a:cs typeface="Times New Roman" panose="02020603050405020304" pitchFamily="18" charset="0"/>
+            </a:endParaRPr>
           </a:p>
         </p:txBody>
       </p:sp>
@@ -4353,32 +4442,40 @@
           <a:lstStyle/>
           <a:p>
             <a:r>
-              <a:rPr lang="ru-RU" sz="2000" b="0" i="0" u="none" strike="noStrike">
-                <a:latin typeface="Times New Roman" pitchFamily="18" charset="0" panose="02020603050405020304"/>
-                <a:ea typeface="Times New Roman" pitchFamily="18" charset="0" panose="02020603050405020304"/>
-                <a:cs typeface="Times New Roman" pitchFamily="18" charset="0" panose="02020603050405020304"/>
+              <a:rPr lang="ru-RU" sz="2000" b="0" i="0" u="none" strike="noStrike" dirty="0">
+                <a:latin typeface="Times New Roman" panose="02020603050405020304" pitchFamily="18" charset="0"/>
+                <a:ea typeface="Times New Roman" panose="02020603050405020304" pitchFamily="18" charset="0"/>
+                <a:cs typeface="Times New Roman" panose="02020603050405020304" pitchFamily="18" charset="0"/>
               </a:rPr>
               <a:t>АВТОНОМНАЯ НЕКОММЕРЧЕСКАЯ ОРГАНИЗАЦИЯ ДОПОЛНИТЕЛЬНОГО ПРОФЕССИОНАЛЬНОГО ОБРАЗОВАНИЯ</a:t>
             </a:r>
+            <a:r>
+              <a:rPr lang="en-US" sz="2000" b="0" i="0" u="none" strike="noStrike" dirty="0">
+                <a:latin typeface="Times New Roman" panose="02020603050405020304" pitchFamily="18" charset="0"/>
+                <a:ea typeface="Times New Roman" panose="02020603050405020304" pitchFamily="18" charset="0"/>
+                <a:cs typeface="Times New Roman" panose="02020603050405020304" pitchFamily="18" charset="0"/>
+              </a:rPr>
+              <a:t/>
+            </a:r>
             <a:br>
-              <a:rPr lang="en-US" sz="2000" b="0" i="0" u="none" strike="noStrike">
-                <a:latin typeface="Times New Roman" pitchFamily="18" charset="0" panose="02020603050405020304"/>
-                <a:ea typeface="Times New Roman" pitchFamily="18" charset="0" panose="02020603050405020304"/>
-                <a:cs typeface="Times New Roman" pitchFamily="18" charset="0" panose="02020603050405020304"/>
+              <a:rPr lang="en-US" sz="2000" b="0" i="0" u="none" strike="noStrike" dirty="0">
+                <a:latin typeface="Times New Roman" panose="02020603050405020304" pitchFamily="18" charset="0"/>
+                <a:ea typeface="Times New Roman" panose="02020603050405020304" pitchFamily="18" charset="0"/>
+                <a:cs typeface="Times New Roman" panose="02020603050405020304" pitchFamily="18" charset="0"/>
               </a:rPr>
             </a:br>
             <a:r>
-              <a:rPr lang="ru-RU" sz="2000" b="0" i="0" u="none" strike="noStrike">
-                <a:latin typeface="Times New Roman" pitchFamily="18" charset="0" panose="02020603050405020304"/>
-                <a:ea typeface="Times New Roman" pitchFamily="18" charset="0" panose="02020603050405020304"/>
-                <a:cs typeface="Times New Roman" pitchFamily="18" charset="0" panose="02020603050405020304"/>
+              <a:rPr lang="ru-RU" sz="2000" b="0" i="0" u="none" strike="noStrike" dirty="0">
+                <a:latin typeface="Times New Roman" panose="02020603050405020304" pitchFamily="18" charset="0"/>
+                <a:ea typeface="Times New Roman" panose="02020603050405020304" pitchFamily="18" charset="0"/>
+                <a:cs typeface="Times New Roman" panose="02020603050405020304" pitchFamily="18" charset="0"/>
               </a:rPr>
               <a:t>«АКАДЕМИЯ ТОП»</a:t>
             </a:r>
-            <a:endParaRPr lang="en-US" sz="2000">
-              <a:latin typeface="Times New Roman" pitchFamily="18" charset="0" panose="02020603050405020304"/>
-              <a:ea typeface="Times New Roman" pitchFamily="18" charset="0" panose="02020603050405020304"/>
-              <a:cs typeface="Times New Roman" pitchFamily="18" charset="0" panose="02020603050405020304"/>
+            <a:endParaRPr lang="en-US" sz="2000" dirty="0">
+              <a:latin typeface="Times New Roman" panose="02020603050405020304" pitchFamily="18" charset="0"/>
+              <a:ea typeface="Times New Roman" panose="02020603050405020304" pitchFamily="18" charset="0"/>
+              <a:cs typeface="Times New Roman" panose="02020603050405020304" pitchFamily="18" charset="0"/>
             </a:endParaRPr>
           </a:p>
         </p:txBody>
@@ -4392,7 +4489,7 @@
           <p:nvPr/>
         </p:nvPicPr>
         <p:blipFill>
-          <a:blip r:embed="rId1"/>
+          <a:blip r:embed="rId3"/>
           <a:srcRect/>
           <a:stretch>
             <a:fillRect/>
@@ -4421,7 +4518,7 @@
         <p:spPr>
           <a:xfrm>
             <a:off x="362297" y="5606015"/>
-            <a:ext cx="10820399" cy="361626"/>
+            <a:ext cx="10820399" cy="369332"/>
           </a:xfrm>
           <a:prstGeom prst="rect">
             <a:avLst/>
@@ -4436,24 +4533,24 @@
           <a:p>
             <a:r>
               <a:rPr lang="ru-RU" dirty="0">
-                <a:latin typeface="Times New Roman" pitchFamily="18" charset="0" panose="02020603050405020304"/>
-                <a:ea typeface="Times New Roman" pitchFamily="18" charset="0" panose="02020603050405020304"/>
-                <a:cs typeface="Times New Roman" pitchFamily="18" charset="0" panose="02020603050405020304"/>
+                <a:latin typeface="Times New Roman" panose="02020603050405020304" pitchFamily="18" charset="0"/>
+                <a:ea typeface="Times New Roman" panose="02020603050405020304" pitchFamily="18" charset="0"/>
+                <a:cs typeface="Times New Roman" panose="02020603050405020304" pitchFamily="18" charset="0"/>
               </a:rPr>
               <a:t>Студент: А.О. Сарнавский, группа </a:t>
             </a:r>
             <a:r>
               <a:rPr lang="en-US" dirty="0">
-                <a:latin typeface="Times New Roman" pitchFamily="18" charset="0" panose="02020603050405020304"/>
-                <a:ea typeface="Times New Roman" pitchFamily="18" charset="0" panose="02020603050405020304"/>
-                <a:cs typeface="Times New Roman" pitchFamily="18" charset="0" panose="02020603050405020304"/>
+                <a:latin typeface="Times New Roman" panose="02020603050405020304" pitchFamily="18" charset="0"/>
+                <a:ea typeface="Times New Roman" panose="02020603050405020304" pitchFamily="18" charset="0"/>
+                <a:cs typeface="Times New Roman" panose="02020603050405020304" pitchFamily="18" charset="0"/>
               </a:rPr>
               <a:t>QA312</a:t>
             </a:r>
             <a:endParaRPr lang="ru-RU" dirty="0">
-              <a:latin typeface="Times New Roman" pitchFamily="18" charset="0" panose="02020603050405020304"/>
-              <a:ea typeface="Times New Roman" pitchFamily="18" charset="0" panose="02020603050405020304"/>
-              <a:cs typeface="Times New Roman" pitchFamily="18" charset="0" panose="02020603050405020304"/>
+              <a:latin typeface="Times New Roman" panose="02020603050405020304" pitchFamily="18" charset="0"/>
+              <a:ea typeface="Times New Roman" panose="02020603050405020304" pitchFamily="18" charset="0"/>
+              <a:cs typeface="Times New Roman" panose="02020603050405020304" pitchFamily="18" charset="0"/>
             </a:endParaRPr>
           </a:p>
         </p:txBody>
@@ -4463,6 +4560,13 @@
   <p:clrMapOvr>
     <a:masterClrMapping/>
   </p:clrMapOvr>
+  <p:timing>
+    <p:tnLst>
+      <p:par>
+        <p:cTn id="1" dur="indefinite" restart="never" nodeType="tmRoot"/>
+      </p:par>
+    </p:tnLst>
+  </p:timing>
 </p:sld>
 </file>
 
@@ -4493,33 +4597,57 @@
             <p:ph type="title"/>
           </p:nvPr>
         </p:nvSpPr>
+        <p:spPr>
+          <a:xfrm>
+            <a:off x="838200" y="2498725"/>
+            <a:ext cx="10515600" cy="1325563"/>
+          </a:xfrm>
+        </p:spPr>
+        <p:txBody>
+          <a:bodyPr/>
+          <a:lstStyle/>
+          <a:p>
+            <a:pPr algn="ctr"/>
+            <a:r>
+              <a:rPr lang="ru-RU" dirty="0">
+                <a:solidFill>
+                  <a:srgbClr val="FF0000"/>
+                </a:solidFill>
+                <a:latin typeface="Times New Roman" panose="02020603050405020304" pitchFamily="18" charset="0"/>
+                <a:cs typeface="Times New Roman" panose="02020603050405020304" pitchFamily="18" charset="0"/>
+              </a:rPr>
+              <a:t>Спасибо за внимание!</a:t>
+            </a:r>
+          </a:p>
+        </p:txBody>
+      </p:sp>
+      <p:sp>
+        <p:nvSpPr>
+          <p:cNvPr id="4" name="Номер слайда 3"/>
+          <p:cNvSpPr>
+            <a:spLocks noGrp="1"/>
+          </p:cNvSpPr>
+          <p:nvPr>
+            <p:ph type="sldNum" sz="quarter" idx="12"/>
+          </p:nvPr>
+        </p:nvSpPr>
         <p:spPr/>
         <p:txBody>
           <a:bodyPr/>
           <a:lstStyle/>
           <a:p>
-            <a:r>
-              <a:rPr lang="ru-RU"/>
-              <a:t>Спасибо за внимание!</a:t>
-            </a:r>
-          </a:p>
-        </p:txBody>
-      </p:sp>
-      <p:sp>
-        <p:nvSpPr>
-          <p:cNvPr id="3" name="Заполнитель контента 2"/>
-          <p:cNvSpPr>
-            <a:spLocks noGrp="1" noEditPoints="1"/>
-          </p:cNvSpPr>
-          <p:nvPr>
-            <p:ph idx="1"/>
-          </p:nvPr>
-        </p:nvSpPr>
-        <p:spPr/>
-        <p:txBody>
-          <a:bodyPr/>
-          <a:lstStyle/>
-          <a:p/>
+            <a:fld id="{707E345D-6FE0-4977-A3DF-5875ED8E59A8}" type="slidenum">
+              <a:rPr lang="en-US" smtClean="0">
+                <a:latin typeface="Times New Roman" panose="02020603050405020304" pitchFamily="18" charset="0"/>
+                <a:cs typeface="Times New Roman" panose="02020603050405020304" pitchFamily="18" charset="0"/>
+              </a:rPr>
+              <a:t>10</a:t>
+            </a:fld>
+            <a:endParaRPr lang="en-US">
+              <a:latin typeface="Times New Roman" panose="02020603050405020304" pitchFamily="18" charset="0"/>
+              <a:cs typeface="Times New Roman" panose="02020603050405020304" pitchFamily="18" charset="0"/>
+            </a:endParaRPr>
+          </a:p>
         </p:txBody>
       </p:sp>
     </p:spTree>
@@ -4527,6 +4655,13 @@
   <p:clrMapOvr>
     <a:masterClrMapping/>
   </p:clrMapOvr>
+  <p:timing>
+    <p:tnLst>
+      <p:par>
+        <p:cTn id="1" dur="indefinite" restart="never" nodeType="tmRoot"/>
+      </p:par>
+    </p:tnLst>
+  </p:timing>
 </p:sld>
 </file>
 
@@ -4563,7 +4698,13 @@
           <a:lstStyle/>
           <a:p>
             <a:r>
-              <a:rPr lang="ru-RU"/>
+              <a:rPr lang="ru-RU" dirty="0">
+                <a:solidFill>
+                  <a:srgbClr val="FF0000"/>
+                </a:solidFill>
+                <a:latin typeface="Times New Roman" panose="02020603050405020304" pitchFamily="18" charset="0"/>
+                <a:cs typeface="Times New Roman" panose="02020603050405020304" pitchFamily="18" charset="0"/>
+              </a:rPr>
               <a:t>Актуальность</a:t>
             </a:r>
           </a:p>
@@ -4585,9 +4726,54 @@
           <a:lstStyle/>
           <a:p>
             <a:r>
-              <a:rPr lang="ru-RU"/>
-              <a:t>Немного о назначении сайта, почему выбрал его, мб как связано с моей текущей деятельностью и занятостью</a:t>
-            </a:r>
+              <a:rPr lang="ru-RU" dirty="0" smtClean="0">
+                <a:latin typeface="Times New Roman" panose="02020603050405020304" pitchFamily="18" charset="0"/>
+                <a:cs typeface="Times New Roman" panose="02020603050405020304" pitchFamily="18" charset="0"/>
+              </a:rPr>
+              <a:t>Тестирование – это не только проверка соответствия ПО требованиям, это целый спектр мероприятий от планирования до интеграции ПО, повышающий качество разрабатываемого продукта.</a:t>
+            </a:r>
+          </a:p>
+          <a:p>
+            <a:r>
+              <a:rPr lang="ru-RU" dirty="0" smtClean="0">
+                <a:latin typeface="Times New Roman" panose="02020603050405020304" pitchFamily="18" charset="0"/>
+                <a:cs typeface="Times New Roman" panose="02020603050405020304" pitchFamily="18" charset="0"/>
+              </a:rPr>
+              <a:t>Актуальность тестирования веб-сайтов заключается в проверке обеспечения корректности, стабильности и скорости работы веб-сайта в различных условиях эксплуатации.</a:t>
+            </a:r>
+            <a:endParaRPr lang="ru-RU" dirty="0">
+              <a:latin typeface="Times New Roman" panose="02020603050405020304" pitchFamily="18" charset="0"/>
+              <a:cs typeface="Times New Roman" panose="02020603050405020304" pitchFamily="18" charset="0"/>
+            </a:endParaRPr>
+          </a:p>
+        </p:txBody>
+      </p:sp>
+      <p:sp>
+        <p:nvSpPr>
+          <p:cNvPr id="4" name="Номер слайда 3"/>
+          <p:cNvSpPr>
+            <a:spLocks noGrp="1"/>
+          </p:cNvSpPr>
+          <p:nvPr>
+            <p:ph type="sldNum" sz="quarter" idx="12"/>
+          </p:nvPr>
+        </p:nvSpPr>
+        <p:spPr/>
+        <p:txBody>
+          <a:bodyPr/>
+          <a:lstStyle/>
+          <a:p>
+            <a:fld id="{707E345D-6FE0-4977-A3DF-5875ED8E59A8}" type="slidenum">
+              <a:rPr lang="en-US" smtClean="0">
+                <a:latin typeface="Times New Roman" panose="02020603050405020304" pitchFamily="18" charset="0"/>
+                <a:cs typeface="Times New Roman" panose="02020603050405020304" pitchFamily="18" charset="0"/>
+              </a:rPr>
+              <a:t>2</a:t>
+            </a:fld>
+            <a:endParaRPr lang="en-US" dirty="0">
+              <a:latin typeface="Times New Roman" panose="02020603050405020304" pitchFamily="18" charset="0"/>
+              <a:cs typeface="Times New Roman" panose="02020603050405020304" pitchFamily="18" charset="0"/>
+            </a:endParaRPr>
           </a:p>
         </p:txBody>
       </p:sp>
@@ -4596,6 +4782,13 @@
   <p:clrMapOvr>
     <a:masterClrMapping/>
   </p:clrMapOvr>
+  <p:timing>
+    <p:tnLst>
+      <p:par>
+        <p:cTn id="1" dur="indefinite" restart="never" nodeType="tmRoot"/>
+      </p:par>
+    </p:tnLst>
+  </p:timing>
 </p:sld>
 </file>
 
@@ -4632,7 +4825,13 @@
           <a:lstStyle/>
           <a:p>
             <a:r>
-              <a:rPr lang="ru-RU"/>
+              <a:rPr lang="ru-RU" dirty="0">
+                <a:solidFill>
+                  <a:srgbClr val="FF0000"/>
+                </a:solidFill>
+                <a:latin typeface="Times New Roman" panose="02020603050405020304" pitchFamily="18" charset="0"/>
+                <a:cs typeface="Times New Roman" panose="02020603050405020304" pitchFamily="18" charset="0"/>
+              </a:rPr>
               <a:t>Цель и задачи</a:t>
             </a:r>
           </a:p>
@@ -4648,49 +4847,732 @@
             <p:ph idx="1"/>
           </p:nvPr>
         </p:nvSpPr>
+        <p:spPr>
+          <a:xfrm>
+            <a:off x="838199" y="2366211"/>
+            <a:ext cx="5097379" cy="3810752"/>
+          </a:xfrm>
+        </p:spPr>
+        <p:txBody>
+          <a:bodyPr/>
+          <a:lstStyle/>
+          <a:p>
+            <a:pPr marL="0" indent="0">
+              <a:buNone/>
+            </a:pPr>
+            <a:r>
+              <a:rPr lang="ru-RU" sz="2400" dirty="0" smtClean="0">
+                <a:latin typeface="Times New Roman" panose="02020603050405020304" pitchFamily="18" charset="0"/>
+                <a:cs typeface="Times New Roman" panose="02020603050405020304" pitchFamily="18" charset="0"/>
+              </a:rPr>
+              <a:t>Протестировать веб-сайт «</a:t>
+            </a:r>
+            <a:r>
+              <a:rPr lang="en-US" sz="2400" dirty="0" smtClean="0">
+                <a:latin typeface="Times New Roman" panose="02020603050405020304" pitchFamily="18" charset="0"/>
+                <a:cs typeface="Times New Roman" panose="02020603050405020304" pitchFamily="18" charset="0"/>
+              </a:rPr>
+              <a:t>Automation Exercise</a:t>
+            </a:r>
+            <a:r>
+              <a:rPr lang="ru-RU" sz="2400" dirty="0" smtClean="0">
+                <a:latin typeface="Times New Roman" panose="02020603050405020304" pitchFamily="18" charset="0"/>
+                <a:cs typeface="Times New Roman" panose="02020603050405020304" pitchFamily="18" charset="0"/>
+              </a:rPr>
+              <a:t>»</a:t>
+            </a:r>
+            <a:r>
+              <a:rPr lang="en-US" sz="2400" dirty="0">
+                <a:latin typeface="Times New Roman" panose="02020603050405020304" pitchFamily="18" charset="0"/>
+                <a:cs typeface="Times New Roman" panose="02020603050405020304" pitchFamily="18" charset="0"/>
+              </a:rPr>
+              <a:t> </a:t>
+            </a:r>
+            <a:r>
+              <a:rPr lang="en-US" sz="2400" dirty="0" smtClean="0">
+                <a:latin typeface="Times New Roman" panose="02020603050405020304" pitchFamily="18" charset="0"/>
+                <a:cs typeface="Times New Roman" panose="02020603050405020304" pitchFamily="18" charset="0"/>
+              </a:rPr>
+              <a:t>(https://automationexercise.com/)</a:t>
+            </a:r>
+            <a:endParaRPr lang="ru-RU" sz="2400" dirty="0">
+              <a:latin typeface="Times New Roman" panose="02020603050405020304" pitchFamily="18" charset="0"/>
+              <a:cs typeface="Times New Roman" panose="02020603050405020304" pitchFamily="18" charset="0"/>
+            </a:endParaRPr>
+          </a:p>
+        </p:txBody>
+      </p:sp>
+      <p:sp>
+        <p:nvSpPr>
+          <p:cNvPr id="4" name="Заполнитель контента 2"/>
+          <p:cNvSpPr txBox="1">
+            <a:spLocks noEditPoints="1"/>
+          </p:cNvSpPr>
+          <p:nvPr/>
+        </p:nvSpPr>
+        <p:spPr>
+          <a:xfrm>
+            <a:off x="6284495" y="2366211"/>
+            <a:ext cx="5157537" cy="3810752"/>
+          </a:xfrm>
+          <a:prstGeom prst="rect">
+            <a:avLst/>
+          </a:prstGeom>
+        </p:spPr>
+        <p:txBody>
+          <a:bodyPr vert="horz" lIns="91440" tIns="45720" rIns="91440" bIns="45720" rtlCol="0">
+            <a:normAutofit/>
+          </a:bodyPr>
+          <a:lstStyle>
+            <a:lvl1pPr marL="228600" indent="-228600" algn="l" defTabSz="914400" rtl="0" eaLnBrk="1" latinLnBrk="0" hangingPunct="1">
+              <a:lnSpc>
+                <a:spcPct val="90000"/>
+              </a:lnSpc>
+              <a:spcBef>
+                <a:spcPts val="1000"/>
+              </a:spcBef>
+              <a:buFont typeface="Arial" panose="020B0604020202020204" pitchFamily="34" charset="0"/>
+              <a:buChar char="•"/>
+              <a:defRPr sz="2800" kern="1200">
+                <a:solidFill>
+                  <a:schemeClr val="tx1"/>
+                </a:solidFill>
+                <a:latin typeface="+mn-lt"/>
+                <a:ea typeface="+mn-ea"/>
+                <a:cs typeface="+mn-cs"/>
+              </a:defRPr>
+            </a:lvl1pPr>
+            <a:lvl2pPr marL="685800" indent="-228600" algn="l" defTabSz="914400" rtl="0" eaLnBrk="1" latinLnBrk="0" hangingPunct="1">
+              <a:lnSpc>
+                <a:spcPct val="90000"/>
+              </a:lnSpc>
+              <a:spcBef>
+                <a:spcPts val="500"/>
+              </a:spcBef>
+              <a:buFont typeface="Arial" panose="020B0604020202020204" pitchFamily="34" charset="0"/>
+              <a:buChar char="•"/>
+              <a:defRPr sz="2400" kern="1200">
+                <a:solidFill>
+                  <a:schemeClr val="tx1"/>
+                </a:solidFill>
+                <a:latin typeface="+mn-lt"/>
+                <a:ea typeface="+mn-ea"/>
+                <a:cs typeface="+mn-cs"/>
+              </a:defRPr>
+            </a:lvl2pPr>
+            <a:lvl3pPr marL="1143000" indent="-228600" algn="l" defTabSz="914400" rtl="0" eaLnBrk="1" latinLnBrk="0" hangingPunct="1">
+              <a:lnSpc>
+                <a:spcPct val="90000"/>
+              </a:lnSpc>
+              <a:spcBef>
+                <a:spcPts val="500"/>
+              </a:spcBef>
+              <a:buFont typeface="Arial" panose="020B0604020202020204" pitchFamily="34" charset="0"/>
+              <a:buChar char="•"/>
+              <a:defRPr sz="2000" kern="1200">
+                <a:solidFill>
+                  <a:schemeClr val="tx1"/>
+                </a:solidFill>
+                <a:latin typeface="+mn-lt"/>
+                <a:ea typeface="+mn-ea"/>
+                <a:cs typeface="+mn-cs"/>
+              </a:defRPr>
+            </a:lvl3pPr>
+            <a:lvl4pPr marL="1600200" indent="-228600" algn="l" defTabSz="914400" rtl="0" eaLnBrk="1" latinLnBrk="0" hangingPunct="1">
+              <a:lnSpc>
+                <a:spcPct val="90000"/>
+              </a:lnSpc>
+              <a:spcBef>
+                <a:spcPts val="500"/>
+              </a:spcBef>
+              <a:buFont typeface="Arial" panose="020B0604020202020204" pitchFamily="34" charset="0"/>
+              <a:buChar char="•"/>
+              <a:defRPr sz="1800" kern="1200">
+                <a:solidFill>
+                  <a:schemeClr val="tx1"/>
+                </a:solidFill>
+                <a:latin typeface="+mn-lt"/>
+                <a:ea typeface="+mn-ea"/>
+                <a:cs typeface="+mn-cs"/>
+              </a:defRPr>
+            </a:lvl4pPr>
+            <a:lvl5pPr marL="2057400" indent="-228600" algn="l" defTabSz="914400" rtl="0" eaLnBrk="1" latinLnBrk="0" hangingPunct="1">
+              <a:lnSpc>
+                <a:spcPct val="90000"/>
+              </a:lnSpc>
+              <a:spcBef>
+                <a:spcPts val="500"/>
+              </a:spcBef>
+              <a:buFont typeface="Arial" panose="020B0604020202020204" pitchFamily="34" charset="0"/>
+              <a:buChar char="•"/>
+              <a:defRPr sz="1800" kern="1200">
+                <a:solidFill>
+                  <a:schemeClr val="tx1"/>
+                </a:solidFill>
+                <a:latin typeface="+mn-lt"/>
+                <a:ea typeface="+mn-ea"/>
+                <a:cs typeface="+mn-cs"/>
+              </a:defRPr>
+            </a:lvl5pPr>
+            <a:lvl6pPr marL="2514600" indent="-228600" algn="l" defTabSz="914400" rtl="0" eaLnBrk="1" latinLnBrk="0" hangingPunct="1">
+              <a:lnSpc>
+                <a:spcPct val="90000"/>
+              </a:lnSpc>
+              <a:spcBef>
+                <a:spcPts val="500"/>
+              </a:spcBef>
+              <a:buFont typeface="Arial" panose="020B0604020202020204" pitchFamily="34" charset="0"/>
+              <a:buChar char="•"/>
+              <a:defRPr sz="1800" kern="1200">
+                <a:solidFill>
+                  <a:schemeClr val="tx1"/>
+                </a:solidFill>
+                <a:latin typeface="+mn-lt"/>
+                <a:ea typeface="+mn-ea"/>
+                <a:cs typeface="+mn-cs"/>
+              </a:defRPr>
+            </a:lvl6pPr>
+            <a:lvl7pPr marL="2971800" indent="-228600" algn="l" defTabSz="914400" rtl="0" eaLnBrk="1" latinLnBrk="0" hangingPunct="1">
+              <a:lnSpc>
+                <a:spcPct val="90000"/>
+              </a:lnSpc>
+              <a:spcBef>
+                <a:spcPts val="500"/>
+              </a:spcBef>
+              <a:buFont typeface="Arial" panose="020B0604020202020204" pitchFamily="34" charset="0"/>
+              <a:buChar char="•"/>
+              <a:defRPr sz="1800" kern="1200">
+                <a:solidFill>
+                  <a:schemeClr val="tx1"/>
+                </a:solidFill>
+                <a:latin typeface="+mn-lt"/>
+                <a:ea typeface="+mn-ea"/>
+                <a:cs typeface="+mn-cs"/>
+              </a:defRPr>
+            </a:lvl7pPr>
+            <a:lvl8pPr marL="3429000" indent="-228600" algn="l" defTabSz="914400" rtl="0" eaLnBrk="1" latinLnBrk="0" hangingPunct="1">
+              <a:lnSpc>
+                <a:spcPct val="90000"/>
+              </a:lnSpc>
+              <a:spcBef>
+                <a:spcPts val="500"/>
+              </a:spcBef>
+              <a:buFont typeface="Arial" panose="020B0604020202020204" pitchFamily="34" charset="0"/>
+              <a:buChar char="•"/>
+              <a:defRPr sz="1800" kern="1200">
+                <a:solidFill>
+                  <a:schemeClr val="tx1"/>
+                </a:solidFill>
+                <a:latin typeface="+mn-lt"/>
+                <a:ea typeface="+mn-ea"/>
+                <a:cs typeface="+mn-cs"/>
+              </a:defRPr>
+            </a:lvl8pPr>
+            <a:lvl9pPr marL="3886200" indent="-228600" algn="l" defTabSz="914400" rtl="0" eaLnBrk="1" latinLnBrk="0" hangingPunct="1">
+              <a:lnSpc>
+                <a:spcPct val="90000"/>
+              </a:lnSpc>
+              <a:spcBef>
+                <a:spcPts val="500"/>
+              </a:spcBef>
+              <a:buFont typeface="Arial" panose="020B0604020202020204" pitchFamily="34" charset="0"/>
+              <a:buChar char="•"/>
+              <a:defRPr sz="1800" kern="1200">
+                <a:solidFill>
+                  <a:schemeClr val="tx1"/>
+                </a:solidFill>
+                <a:latin typeface="+mn-lt"/>
+                <a:ea typeface="+mn-ea"/>
+                <a:cs typeface="+mn-cs"/>
+              </a:defRPr>
+            </a:lvl9pPr>
+          </a:lstStyle>
+          <a:p>
+            <a:pPr marL="457200" indent="-457200">
+              <a:buFont typeface="+mj-lt"/>
+              <a:buAutoNum type="arabicParenR"/>
+            </a:pPr>
+            <a:r>
+              <a:rPr lang="ru-RU" sz="2400" dirty="0" smtClean="0">
+                <a:latin typeface="Times New Roman" panose="02020603050405020304" pitchFamily="18" charset="0"/>
+                <a:cs typeface="Times New Roman" panose="02020603050405020304" pitchFamily="18" charset="0"/>
+              </a:rPr>
+              <a:t>Разработать тест-план;</a:t>
+            </a:r>
+          </a:p>
+          <a:p>
+            <a:pPr marL="457200" indent="-457200">
+              <a:buFont typeface="+mj-lt"/>
+              <a:buAutoNum type="arabicParenR"/>
+            </a:pPr>
+            <a:r>
+              <a:rPr lang="ru-RU" sz="2400" dirty="0" smtClean="0">
+                <a:latin typeface="Times New Roman" panose="02020603050405020304" pitchFamily="18" charset="0"/>
+                <a:cs typeface="Times New Roman" panose="02020603050405020304" pitchFamily="18" charset="0"/>
+              </a:rPr>
+              <a:t>Разработать и провести тесты;</a:t>
+            </a:r>
+          </a:p>
+          <a:p>
+            <a:pPr marL="457200" indent="-457200">
+              <a:buFont typeface="+mj-lt"/>
+              <a:buAutoNum type="arabicParenR"/>
+            </a:pPr>
+            <a:r>
+              <a:rPr lang="ru-RU" sz="2400" dirty="0" smtClean="0">
+                <a:latin typeface="Times New Roman" panose="02020603050405020304" pitchFamily="18" charset="0"/>
+                <a:cs typeface="Times New Roman" panose="02020603050405020304" pitchFamily="18" charset="0"/>
+              </a:rPr>
+              <a:t>Оформить найденные ошибки;</a:t>
+            </a:r>
+          </a:p>
+          <a:p>
+            <a:pPr marL="457200" indent="-457200">
+              <a:buFont typeface="+mj-lt"/>
+              <a:buAutoNum type="arabicParenR"/>
+            </a:pPr>
+            <a:r>
+              <a:rPr lang="ru-RU" sz="2400" dirty="0" smtClean="0">
+                <a:latin typeface="Times New Roman" panose="02020603050405020304" pitchFamily="18" charset="0"/>
+                <a:cs typeface="Times New Roman" panose="02020603050405020304" pitchFamily="18" charset="0"/>
+              </a:rPr>
+              <a:t>Оформить отчет о тестировании.</a:t>
+            </a:r>
+          </a:p>
+        </p:txBody>
+      </p:sp>
+      <p:sp>
+        <p:nvSpPr>
+          <p:cNvPr id="5" name="Заполнитель контента 2"/>
+          <p:cNvSpPr txBox="1">
+            <a:spLocks noEditPoints="1"/>
+          </p:cNvSpPr>
+          <p:nvPr/>
+        </p:nvSpPr>
+        <p:spPr>
+          <a:xfrm>
+            <a:off x="838199" y="1724527"/>
+            <a:ext cx="5097379" cy="641684"/>
+          </a:xfrm>
+          <a:prstGeom prst="rect">
+            <a:avLst/>
+          </a:prstGeom>
+        </p:spPr>
+        <p:txBody>
+          <a:bodyPr vert="horz" lIns="91440" tIns="45720" rIns="91440" bIns="45720" rtlCol="0">
+            <a:normAutofit/>
+          </a:bodyPr>
+          <a:lstStyle>
+            <a:lvl1pPr marL="228600" indent="-228600" algn="l" defTabSz="914400" rtl="0" eaLnBrk="1" latinLnBrk="0" hangingPunct="1">
+              <a:lnSpc>
+                <a:spcPct val="90000"/>
+              </a:lnSpc>
+              <a:spcBef>
+                <a:spcPts val="1000"/>
+              </a:spcBef>
+              <a:buFont typeface="Arial" panose="020B0604020202020204" pitchFamily="34" charset="0"/>
+              <a:buChar char="•"/>
+              <a:defRPr sz="2800" kern="1200">
+                <a:solidFill>
+                  <a:schemeClr val="tx1"/>
+                </a:solidFill>
+                <a:latin typeface="+mn-lt"/>
+                <a:ea typeface="+mn-ea"/>
+                <a:cs typeface="+mn-cs"/>
+              </a:defRPr>
+            </a:lvl1pPr>
+            <a:lvl2pPr marL="685800" indent="-228600" algn="l" defTabSz="914400" rtl="0" eaLnBrk="1" latinLnBrk="0" hangingPunct="1">
+              <a:lnSpc>
+                <a:spcPct val="90000"/>
+              </a:lnSpc>
+              <a:spcBef>
+                <a:spcPts val="500"/>
+              </a:spcBef>
+              <a:buFont typeface="Arial" panose="020B0604020202020204" pitchFamily="34" charset="0"/>
+              <a:buChar char="•"/>
+              <a:defRPr sz="2400" kern="1200">
+                <a:solidFill>
+                  <a:schemeClr val="tx1"/>
+                </a:solidFill>
+                <a:latin typeface="+mn-lt"/>
+                <a:ea typeface="+mn-ea"/>
+                <a:cs typeface="+mn-cs"/>
+              </a:defRPr>
+            </a:lvl2pPr>
+            <a:lvl3pPr marL="1143000" indent="-228600" algn="l" defTabSz="914400" rtl="0" eaLnBrk="1" latinLnBrk="0" hangingPunct="1">
+              <a:lnSpc>
+                <a:spcPct val="90000"/>
+              </a:lnSpc>
+              <a:spcBef>
+                <a:spcPts val="500"/>
+              </a:spcBef>
+              <a:buFont typeface="Arial" panose="020B0604020202020204" pitchFamily="34" charset="0"/>
+              <a:buChar char="•"/>
+              <a:defRPr sz="2000" kern="1200">
+                <a:solidFill>
+                  <a:schemeClr val="tx1"/>
+                </a:solidFill>
+                <a:latin typeface="+mn-lt"/>
+                <a:ea typeface="+mn-ea"/>
+                <a:cs typeface="+mn-cs"/>
+              </a:defRPr>
+            </a:lvl3pPr>
+            <a:lvl4pPr marL="1600200" indent="-228600" algn="l" defTabSz="914400" rtl="0" eaLnBrk="1" latinLnBrk="0" hangingPunct="1">
+              <a:lnSpc>
+                <a:spcPct val="90000"/>
+              </a:lnSpc>
+              <a:spcBef>
+                <a:spcPts val="500"/>
+              </a:spcBef>
+              <a:buFont typeface="Arial" panose="020B0604020202020204" pitchFamily="34" charset="0"/>
+              <a:buChar char="•"/>
+              <a:defRPr sz="1800" kern="1200">
+                <a:solidFill>
+                  <a:schemeClr val="tx1"/>
+                </a:solidFill>
+                <a:latin typeface="+mn-lt"/>
+                <a:ea typeface="+mn-ea"/>
+                <a:cs typeface="+mn-cs"/>
+              </a:defRPr>
+            </a:lvl4pPr>
+            <a:lvl5pPr marL="2057400" indent="-228600" algn="l" defTabSz="914400" rtl="0" eaLnBrk="1" latinLnBrk="0" hangingPunct="1">
+              <a:lnSpc>
+                <a:spcPct val="90000"/>
+              </a:lnSpc>
+              <a:spcBef>
+                <a:spcPts val="500"/>
+              </a:spcBef>
+              <a:buFont typeface="Arial" panose="020B0604020202020204" pitchFamily="34" charset="0"/>
+              <a:buChar char="•"/>
+              <a:defRPr sz="1800" kern="1200">
+                <a:solidFill>
+                  <a:schemeClr val="tx1"/>
+                </a:solidFill>
+                <a:latin typeface="+mn-lt"/>
+                <a:ea typeface="+mn-ea"/>
+                <a:cs typeface="+mn-cs"/>
+              </a:defRPr>
+            </a:lvl5pPr>
+            <a:lvl6pPr marL="2514600" indent="-228600" algn="l" defTabSz="914400" rtl="0" eaLnBrk="1" latinLnBrk="0" hangingPunct="1">
+              <a:lnSpc>
+                <a:spcPct val="90000"/>
+              </a:lnSpc>
+              <a:spcBef>
+                <a:spcPts val="500"/>
+              </a:spcBef>
+              <a:buFont typeface="Arial" panose="020B0604020202020204" pitchFamily="34" charset="0"/>
+              <a:buChar char="•"/>
+              <a:defRPr sz="1800" kern="1200">
+                <a:solidFill>
+                  <a:schemeClr val="tx1"/>
+                </a:solidFill>
+                <a:latin typeface="+mn-lt"/>
+                <a:ea typeface="+mn-ea"/>
+                <a:cs typeface="+mn-cs"/>
+              </a:defRPr>
+            </a:lvl6pPr>
+            <a:lvl7pPr marL="2971800" indent="-228600" algn="l" defTabSz="914400" rtl="0" eaLnBrk="1" latinLnBrk="0" hangingPunct="1">
+              <a:lnSpc>
+                <a:spcPct val="90000"/>
+              </a:lnSpc>
+              <a:spcBef>
+                <a:spcPts val="500"/>
+              </a:spcBef>
+              <a:buFont typeface="Arial" panose="020B0604020202020204" pitchFamily="34" charset="0"/>
+              <a:buChar char="•"/>
+              <a:defRPr sz="1800" kern="1200">
+                <a:solidFill>
+                  <a:schemeClr val="tx1"/>
+                </a:solidFill>
+                <a:latin typeface="+mn-lt"/>
+                <a:ea typeface="+mn-ea"/>
+                <a:cs typeface="+mn-cs"/>
+              </a:defRPr>
+            </a:lvl7pPr>
+            <a:lvl8pPr marL="3429000" indent="-228600" algn="l" defTabSz="914400" rtl="0" eaLnBrk="1" latinLnBrk="0" hangingPunct="1">
+              <a:lnSpc>
+                <a:spcPct val="90000"/>
+              </a:lnSpc>
+              <a:spcBef>
+                <a:spcPts val="500"/>
+              </a:spcBef>
+              <a:buFont typeface="Arial" panose="020B0604020202020204" pitchFamily="34" charset="0"/>
+              <a:buChar char="•"/>
+              <a:defRPr sz="1800" kern="1200">
+                <a:solidFill>
+                  <a:schemeClr val="tx1"/>
+                </a:solidFill>
+                <a:latin typeface="+mn-lt"/>
+                <a:ea typeface="+mn-ea"/>
+                <a:cs typeface="+mn-cs"/>
+              </a:defRPr>
+            </a:lvl8pPr>
+            <a:lvl9pPr marL="3886200" indent="-228600" algn="l" defTabSz="914400" rtl="0" eaLnBrk="1" latinLnBrk="0" hangingPunct="1">
+              <a:lnSpc>
+                <a:spcPct val="90000"/>
+              </a:lnSpc>
+              <a:spcBef>
+                <a:spcPts val="500"/>
+              </a:spcBef>
+              <a:buFont typeface="Arial" panose="020B0604020202020204" pitchFamily="34" charset="0"/>
+              <a:buChar char="•"/>
+              <a:defRPr sz="1800" kern="1200">
+                <a:solidFill>
+                  <a:schemeClr val="tx1"/>
+                </a:solidFill>
+                <a:latin typeface="+mn-lt"/>
+                <a:ea typeface="+mn-ea"/>
+                <a:cs typeface="+mn-cs"/>
+              </a:defRPr>
+            </a:lvl9pPr>
+          </a:lstStyle>
+          <a:p>
+            <a:pPr marL="0" indent="0">
+              <a:buNone/>
+            </a:pPr>
+            <a:r>
+              <a:rPr lang="ru-RU" b="1" dirty="0" smtClean="0">
+                <a:latin typeface="Times New Roman" panose="02020603050405020304" pitchFamily="18" charset="0"/>
+                <a:cs typeface="Times New Roman" panose="02020603050405020304" pitchFamily="18" charset="0"/>
+              </a:rPr>
+              <a:t>Цель</a:t>
+            </a:r>
+            <a:endParaRPr lang="ru-RU" b="1" dirty="0">
+              <a:latin typeface="Times New Roman" panose="02020603050405020304" pitchFamily="18" charset="0"/>
+              <a:cs typeface="Times New Roman" panose="02020603050405020304" pitchFamily="18" charset="0"/>
+            </a:endParaRPr>
+          </a:p>
+        </p:txBody>
+      </p:sp>
+      <p:sp>
+        <p:nvSpPr>
+          <p:cNvPr id="6" name="Заполнитель контента 2"/>
+          <p:cNvSpPr txBox="1">
+            <a:spLocks noEditPoints="1"/>
+          </p:cNvSpPr>
+          <p:nvPr/>
+        </p:nvSpPr>
+        <p:spPr>
+          <a:xfrm>
+            <a:off x="6284495" y="1724527"/>
+            <a:ext cx="5157537" cy="641684"/>
+          </a:xfrm>
+          <a:prstGeom prst="rect">
+            <a:avLst/>
+          </a:prstGeom>
+        </p:spPr>
+        <p:txBody>
+          <a:bodyPr vert="horz" lIns="91440" tIns="45720" rIns="91440" bIns="45720" rtlCol="0">
+            <a:normAutofit/>
+          </a:bodyPr>
+          <a:lstStyle>
+            <a:lvl1pPr marL="228600" indent="-228600" algn="l" defTabSz="914400" rtl="0" eaLnBrk="1" latinLnBrk="0" hangingPunct="1">
+              <a:lnSpc>
+                <a:spcPct val="90000"/>
+              </a:lnSpc>
+              <a:spcBef>
+                <a:spcPts val="1000"/>
+              </a:spcBef>
+              <a:buFont typeface="Arial" panose="020B0604020202020204" pitchFamily="34" charset="0"/>
+              <a:buChar char="•"/>
+              <a:defRPr sz="2800" kern="1200">
+                <a:solidFill>
+                  <a:schemeClr val="tx1"/>
+                </a:solidFill>
+                <a:latin typeface="+mn-lt"/>
+                <a:ea typeface="+mn-ea"/>
+                <a:cs typeface="+mn-cs"/>
+              </a:defRPr>
+            </a:lvl1pPr>
+            <a:lvl2pPr marL="685800" indent="-228600" algn="l" defTabSz="914400" rtl="0" eaLnBrk="1" latinLnBrk="0" hangingPunct="1">
+              <a:lnSpc>
+                <a:spcPct val="90000"/>
+              </a:lnSpc>
+              <a:spcBef>
+                <a:spcPts val="500"/>
+              </a:spcBef>
+              <a:buFont typeface="Arial" panose="020B0604020202020204" pitchFamily="34" charset="0"/>
+              <a:buChar char="•"/>
+              <a:defRPr sz="2400" kern="1200">
+                <a:solidFill>
+                  <a:schemeClr val="tx1"/>
+                </a:solidFill>
+                <a:latin typeface="+mn-lt"/>
+                <a:ea typeface="+mn-ea"/>
+                <a:cs typeface="+mn-cs"/>
+              </a:defRPr>
+            </a:lvl2pPr>
+            <a:lvl3pPr marL="1143000" indent="-228600" algn="l" defTabSz="914400" rtl="0" eaLnBrk="1" latinLnBrk="0" hangingPunct="1">
+              <a:lnSpc>
+                <a:spcPct val="90000"/>
+              </a:lnSpc>
+              <a:spcBef>
+                <a:spcPts val="500"/>
+              </a:spcBef>
+              <a:buFont typeface="Arial" panose="020B0604020202020204" pitchFamily="34" charset="0"/>
+              <a:buChar char="•"/>
+              <a:defRPr sz="2000" kern="1200">
+                <a:solidFill>
+                  <a:schemeClr val="tx1"/>
+                </a:solidFill>
+                <a:latin typeface="+mn-lt"/>
+                <a:ea typeface="+mn-ea"/>
+                <a:cs typeface="+mn-cs"/>
+              </a:defRPr>
+            </a:lvl3pPr>
+            <a:lvl4pPr marL="1600200" indent="-228600" algn="l" defTabSz="914400" rtl="0" eaLnBrk="1" latinLnBrk="0" hangingPunct="1">
+              <a:lnSpc>
+                <a:spcPct val="90000"/>
+              </a:lnSpc>
+              <a:spcBef>
+                <a:spcPts val="500"/>
+              </a:spcBef>
+              <a:buFont typeface="Arial" panose="020B0604020202020204" pitchFamily="34" charset="0"/>
+              <a:buChar char="•"/>
+              <a:defRPr sz="1800" kern="1200">
+                <a:solidFill>
+                  <a:schemeClr val="tx1"/>
+                </a:solidFill>
+                <a:latin typeface="+mn-lt"/>
+                <a:ea typeface="+mn-ea"/>
+                <a:cs typeface="+mn-cs"/>
+              </a:defRPr>
+            </a:lvl4pPr>
+            <a:lvl5pPr marL="2057400" indent="-228600" algn="l" defTabSz="914400" rtl="0" eaLnBrk="1" latinLnBrk="0" hangingPunct="1">
+              <a:lnSpc>
+                <a:spcPct val="90000"/>
+              </a:lnSpc>
+              <a:spcBef>
+                <a:spcPts val="500"/>
+              </a:spcBef>
+              <a:buFont typeface="Arial" panose="020B0604020202020204" pitchFamily="34" charset="0"/>
+              <a:buChar char="•"/>
+              <a:defRPr sz="1800" kern="1200">
+                <a:solidFill>
+                  <a:schemeClr val="tx1"/>
+                </a:solidFill>
+                <a:latin typeface="+mn-lt"/>
+                <a:ea typeface="+mn-ea"/>
+                <a:cs typeface="+mn-cs"/>
+              </a:defRPr>
+            </a:lvl5pPr>
+            <a:lvl6pPr marL="2514600" indent="-228600" algn="l" defTabSz="914400" rtl="0" eaLnBrk="1" latinLnBrk="0" hangingPunct="1">
+              <a:lnSpc>
+                <a:spcPct val="90000"/>
+              </a:lnSpc>
+              <a:spcBef>
+                <a:spcPts val="500"/>
+              </a:spcBef>
+              <a:buFont typeface="Arial" panose="020B0604020202020204" pitchFamily="34" charset="0"/>
+              <a:buChar char="•"/>
+              <a:defRPr sz="1800" kern="1200">
+                <a:solidFill>
+                  <a:schemeClr val="tx1"/>
+                </a:solidFill>
+                <a:latin typeface="+mn-lt"/>
+                <a:ea typeface="+mn-ea"/>
+                <a:cs typeface="+mn-cs"/>
+              </a:defRPr>
+            </a:lvl6pPr>
+            <a:lvl7pPr marL="2971800" indent="-228600" algn="l" defTabSz="914400" rtl="0" eaLnBrk="1" latinLnBrk="0" hangingPunct="1">
+              <a:lnSpc>
+                <a:spcPct val="90000"/>
+              </a:lnSpc>
+              <a:spcBef>
+                <a:spcPts val="500"/>
+              </a:spcBef>
+              <a:buFont typeface="Arial" panose="020B0604020202020204" pitchFamily="34" charset="0"/>
+              <a:buChar char="•"/>
+              <a:defRPr sz="1800" kern="1200">
+                <a:solidFill>
+                  <a:schemeClr val="tx1"/>
+                </a:solidFill>
+                <a:latin typeface="+mn-lt"/>
+                <a:ea typeface="+mn-ea"/>
+                <a:cs typeface="+mn-cs"/>
+              </a:defRPr>
+            </a:lvl7pPr>
+            <a:lvl8pPr marL="3429000" indent="-228600" algn="l" defTabSz="914400" rtl="0" eaLnBrk="1" latinLnBrk="0" hangingPunct="1">
+              <a:lnSpc>
+                <a:spcPct val="90000"/>
+              </a:lnSpc>
+              <a:spcBef>
+                <a:spcPts val="500"/>
+              </a:spcBef>
+              <a:buFont typeface="Arial" panose="020B0604020202020204" pitchFamily="34" charset="0"/>
+              <a:buChar char="•"/>
+              <a:defRPr sz="1800" kern="1200">
+                <a:solidFill>
+                  <a:schemeClr val="tx1"/>
+                </a:solidFill>
+                <a:latin typeface="+mn-lt"/>
+                <a:ea typeface="+mn-ea"/>
+                <a:cs typeface="+mn-cs"/>
+              </a:defRPr>
+            </a:lvl8pPr>
+            <a:lvl9pPr marL="3886200" indent="-228600" algn="l" defTabSz="914400" rtl="0" eaLnBrk="1" latinLnBrk="0" hangingPunct="1">
+              <a:lnSpc>
+                <a:spcPct val="90000"/>
+              </a:lnSpc>
+              <a:spcBef>
+                <a:spcPts val="500"/>
+              </a:spcBef>
+              <a:buFont typeface="Arial" panose="020B0604020202020204" pitchFamily="34" charset="0"/>
+              <a:buChar char="•"/>
+              <a:defRPr sz="1800" kern="1200">
+                <a:solidFill>
+                  <a:schemeClr val="tx1"/>
+                </a:solidFill>
+                <a:latin typeface="+mn-lt"/>
+                <a:ea typeface="+mn-ea"/>
+                <a:cs typeface="+mn-cs"/>
+              </a:defRPr>
+            </a:lvl9pPr>
+          </a:lstStyle>
+          <a:p>
+            <a:pPr marL="0" indent="0">
+              <a:buNone/>
+            </a:pPr>
+            <a:r>
+              <a:rPr lang="ru-RU" b="1" dirty="0" smtClean="0">
+                <a:latin typeface="Times New Roman" panose="02020603050405020304" pitchFamily="18" charset="0"/>
+                <a:cs typeface="Times New Roman" panose="02020603050405020304" pitchFamily="18" charset="0"/>
+              </a:rPr>
+              <a:t>Задачи</a:t>
+            </a:r>
+            <a:endParaRPr lang="ru-RU" b="1" dirty="0">
+              <a:latin typeface="Times New Roman" panose="02020603050405020304" pitchFamily="18" charset="0"/>
+              <a:cs typeface="Times New Roman" panose="02020603050405020304" pitchFamily="18" charset="0"/>
+            </a:endParaRPr>
+          </a:p>
+        </p:txBody>
+      </p:sp>
+      <p:sp>
+        <p:nvSpPr>
+          <p:cNvPr id="7" name="Номер слайда 6"/>
+          <p:cNvSpPr>
+            <a:spLocks noGrp="1"/>
+          </p:cNvSpPr>
+          <p:nvPr>
+            <p:ph type="sldNum" sz="quarter" idx="12"/>
+          </p:nvPr>
+        </p:nvSpPr>
         <p:spPr/>
         <p:txBody>
           <a:bodyPr/>
           <a:lstStyle/>
           <a:p>
-            <a:r>
-              <a:rPr lang="ru-RU"/>
-              <a:t>Цель: протестировать веб-сайт</a:t>
-            </a:r>
-          </a:p>
-          <a:p>
-            <a:r>
-              <a:rPr lang="ru-RU"/>
-              <a:t>Задачи:</a:t>
-            </a:r>
-          </a:p>
-          <a:p>
-            <a:pPr marL="685800" lvl="1"/>
-            <a:r>
-              <a:rPr lang="ru-RU"/>
-              <a:t>составить тест-план</a:t>
-            </a:r>
-          </a:p>
-          <a:p>
-            <a:pPr marL="685800" lvl="1"/>
-            <a:r>
-              <a:rPr lang="ru-RU"/>
-              <a:t>провести тестирования</a:t>
-            </a:r>
-          </a:p>
-          <a:p>
-            <a:pPr marL="685800" lvl="1"/>
-            <a:r>
-              <a:rPr lang="ru-RU"/>
-              <a:t>оформить ошибки</a:t>
-            </a:r>
-          </a:p>
-          <a:p>
-            <a:pPr marL="685800" lvl="1"/>
-            <a:r>
-              <a:rPr lang="ru-RU"/>
-              <a:t>оформить отчет о тестировании</a:t>
-            </a:r>
+            <a:fld id="{707E345D-6FE0-4977-A3DF-5875ED8E59A8}" type="slidenum">
+              <a:rPr lang="en-US" smtClean="0">
+                <a:latin typeface="Times New Roman" panose="02020603050405020304" pitchFamily="18" charset="0"/>
+                <a:cs typeface="Times New Roman" panose="02020603050405020304" pitchFamily="18" charset="0"/>
+              </a:rPr>
+              <a:t>3</a:t>
+            </a:fld>
+            <a:endParaRPr lang="en-US">
+              <a:latin typeface="Times New Roman" panose="02020603050405020304" pitchFamily="18" charset="0"/>
+              <a:cs typeface="Times New Roman" panose="02020603050405020304" pitchFamily="18" charset="0"/>
+            </a:endParaRPr>
           </a:p>
         </p:txBody>
       </p:sp>
@@ -4699,6 +5581,13 @@
   <p:clrMapOvr>
     <a:masterClrMapping/>
   </p:clrMapOvr>
+  <p:timing>
+    <p:tnLst>
+      <p:par>
+        <p:cTn id="1" dur="indefinite" restart="never" nodeType="tmRoot"/>
+      </p:par>
+    </p:tnLst>
+  </p:timing>
 </p:sld>
 </file>
 
@@ -4735,7 +5624,13 @@
           <a:lstStyle/>
           <a:p>
             <a:r>
-              <a:rPr lang="ru-RU"/>
+              <a:rPr lang="ru-RU" dirty="0">
+                <a:solidFill>
+                  <a:srgbClr val="FF0000"/>
+                </a:solidFill>
+                <a:latin typeface="Times New Roman" panose="02020603050405020304" pitchFamily="18" charset="0"/>
+                <a:cs typeface="Times New Roman" panose="02020603050405020304" pitchFamily="18" charset="0"/>
+              </a:rPr>
               <a:t>Используемые инструменты</a:t>
             </a:r>
           </a:p>
@@ -4757,54 +5652,141 @@
           <a:lstStyle/>
           <a:p>
             <a:r>
-              <a:rPr lang="en-US"/>
-              <a:t>Apache JMeter v. 5.6.3</a:t>
-            </a:r>
-          </a:p>
-          <a:p>
-            <a:r>
-              <a:rPr lang="en-US"/>
+              <a:rPr lang="en-US" dirty="0">
+                <a:latin typeface="Times New Roman" panose="02020603050405020304" pitchFamily="18" charset="0"/>
+                <a:cs typeface="Times New Roman" panose="02020603050405020304" pitchFamily="18" charset="0"/>
+              </a:rPr>
+              <a:t>Apache </a:t>
+            </a:r>
+            <a:r>
+              <a:rPr lang="en-US" dirty="0" err="1">
+                <a:latin typeface="Times New Roman" panose="02020603050405020304" pitchFamily="18" charset="0"/>
+                <a:cs typeface="Times New Roman" panose="02020603050405020304" pitchFamily="18" charset="0"/>
+              </a:rPr>
+              <a:t>JMeter</a:t>
+            </a:r>
+            <a:r>
+              <a:rPr lang="en-US" dirty="0">
+                <a:latin typeface="Times New Roman" panose="02020603050405020304" pitchFamily="18" charset="0"/>
+                <a:cs typeface="Times New Roman" panose="02020603050405020304" pitchFamily="18" charset="0"/>
+              </a:rPr>
+              <a:t> v. 5.6.3</a:t>
+            </a:r>
+          </a:p>
+          <a:p>
+            <a:r>
+              <a:rPr lang="en-US" dirty="0">
+                <a:latin typeface="Times New Roman" panose="02020603050405020304" pitchFamily="18" charset="0"/>
+                <a:cs typeface="Times New Roman" panose="02020603050405020304" pitchFamily="18" charset="0"/>
+              </a:rPr>
               <a:t>Python 3.11.5</a:t>
             </a:r>
           </a:p>
           <a:p>
             <a:r>
-              <a:rPr lang="en-US"/>
+              <a:rPr lang="en-US" dirty="0">
+                <a:latin typeface="Times New Roman" panose="02020603050405020304" pitchFamily="18" charset="0"/>
+                <a:cs typeface="Times New Roman" panose="02020603050405020304" pitchFamily="18" charset="0"/>
+              </a:rPr>
               <a:t>Google Chrome v. 130.0</a:t>
             </a:r>
           </a:p>
           <a:p>
             <a:r>
-              <a:rPr lang="en-US"/>
+              <a:rPr lang="en-US" dirty="0">
+                <a:latin typeface="Times New Roman" panose="02020603050405020304" pitchFamily="18" charset="0"/>
+                <a:cs typeface="Times New Roman" panose="02020603050405020304" pitchFamily="18" charset="0"/>
+              </a:rPr>
               <a:t>Microsoft Edge v. 130.0</a:t>
             </a:r>
           </a:p>
           <a:p>
             <a:r>
-              <a:rPr lang="en-US"/>
+              <a:rPr lang="en-US" dirty="0">
+                <a:latin typeface="Times New Roman" panose="02020603050405020304" pitchFamily="18" charset="0"/>
+                <a:cs typeface="Times New Roman" panose="02020603050405020304" pitchFamily="18" charset="0"/>
+              </a:rPr>
               <a:t>Mozilla Firefox v.</a:t>
             </a:r>
             <a:r>
-              <a:rPr lang="ru-RU"/>
+              <a:rPr lang="ru-RU" dirty="0">
+                <a:latin typeface="Times New Roman" panose="02020603050405020304" pitchFamily="18" charset="0"/>
+                <a:cs typeface="Times New Roman" panose="02020603050405020304" pitchFamily="18" charset="0"/>
+              </a:rPr>
               <a:t> </a:t>
             </a:r>
             <a:r>
-              <a:rPr lang="en-US"/>
+              <a:rPr lang="en-US" dirty="0">
+                <a:latin typeface="Times New Roman" panose="02020603050405020304" pitchFamily="18" charset="0"/>
+                <a:cs typeface="Times New Roman" panose="02020603050405020304" pitchFamily="18" charset="0"/>
+              </a:rPr>
               <a:t>131.0</a:t>
             </a:r>
           </a:p>
           <a:p>
             <a:r>
-              <a:rPr lang="en-US"/>
-              <a:t>Redmine (http://185.225.34.210)</a:t>
-            </a:r>
-          </a:p>
-          <a:p>
-            <a:r>
-              <a:rPr lang="en-US"/>
-              <a:t>Git 2.47.0.windows.2</a:t>
-            </a:r>
-            <a:endParaRPr lang="ru-RU"/>
+              <a:rPr lang="en-US" dirty="0" err="1">
+                <a:latin typeface="Times New Roman" panose="02020603050405020304" pitchFamily="18" charset="0"/>
+                <a:cs typeface="Times New Roman" panose="02020603050405020304" pitchFamily="18" charset="0"/>
+              </a:rPr>
+              <a:t>Redmine</a:t>
+            </a:r>
+            <a:r>
+              <a:rPr lang="en-US" dirty="0">
+                <a:latin typeface="Times New Roman" panose="02020603050405020304" pitchFamily="18" charset="0"/>
+                <a:cs typeface="Times New Roman" panose="02020603050405020304" pitchFamily="18" charset="0"/>
+              </a:rPr>
+              <a:t> (http://185.225.34.210)</a:t>
+            </a:r>
+          </a:p>
+          <a:p>
+            <a:r>
+              <a:rPr lang="en-US" dirty="0" err="1">
+                <a:latin typeface="Times New Roman" panose="02020603050405020304" pitchFamily="18" charset="0"/>
+                <a:cs typeface="Times New Roman" panose="02020603050405020304" pitchFamily="18" charset="0"/>
+              </a:rPr>
+              <a:t>Git</a:t>
+            </a:r>
+            <a:r>
+              <a:rPr lang="en-US" dirty="0">
+                <a:latin typeface="Times New Roman" panose="02020603050405020304" pitchFamily="18" charset="0"/>
+                <a:cs typeface="Times New Roman" panose="02020603050405020304" pitchFamily="18" charset="0"/>
+              </a:rPr>
+              <a:t> 2.47.0.windows.2</a:t>
+            </a:r>
+            <a:endParaRPr lang="ru-RU" dirty="0">
+              <a:latin typeface="Times New Roman" panose="02020603050405020304" pitchFamily="18" charset="0"/>
+              <a:cs typeface="Times New Roman" panose="02020603050405020304" pitchFamily="18" charset="0"/>
+            </a:endParaRPr>
+          </a:p>
+        </p:txBody>
+      </p:sp>
+      <p:sp>
+        <p:nvSpPr>
+          <p:cNvPr id="4" name="Номер слайда 3"/>
+          <p:cNvSpPr>
+            <a:spLocks noGrp="1"/>
+          </p:cNvSpPr>
+          <p:nvPr>
+            <p:ph type="sldNum" sz="quarter" idx="12"/>
+          </p:nvPr>
+        </p:nvSpPr>
+        <p:spPr/>
+        <p:txBody>
+          <a:bodyPr/>
+          <a:lstStyle/>
+          <a:p>
+            <a:fld id="{707E345D-6FE0-4977-A3DF-5875ED8E59A8}" type="slidenum">
+              <a:rPr lang="en-US" smtClean="0">
+                <a:latin typeface="Times New Roman" panose="02020603050405020304" pitchFamily="18" charset="0"/>
+                <a:cs typeface="Times New Roman" panose="02020603050405020304" pitchFamily="18" charset="0"/>
+              </a:rPr>
+              <a:t>4</a:t>
+            </a:fld>
+            <a:endParaRPr lang="en-US">
+              <a:latin typeface="Times New Roman" panose="02020603050405020304" pitchFamily="18" charset="0"/>
+              <a:cs typeface="Times New Roman" panose="02020603050405020304" pitchFamily="18" charset="0"/>
+            </a:endParaRPr>
           </a:p>
         </p:txBody>
       </p:sp>
@@ -4813,6 +5795,13 @@
   <p:clrMapOvr>
     <a:masterClrMapping/>
   </p:clrMapOvr>
+  <p:timing>
+    <p:tnLst>
+      <p:par>
+        <p:cTn id="1" dur="indefinite" restart="never" nodeType="tmRoot"/>
+      </p:par>
+    </p:tnLst>
+  </p:timing>
 </p:sld>
 </file>
 
@@ -4849,7 +5838,13 @@
           <a:lstStyle/>
           <a:p>
             <a:r>
-              <a:rPr lang="ru-RU"/>
+              <a:rPr lang="ru-RU" dirty="0">
+                <a:solidFill>
+                  <a:srgbClr val="FF0000"/>
+                </a:solidFill>
+                <a:latin typeface="Times New Roman" panose="02020603050405020304" pitchFamily="18" charset="0"/>
+                <a:cs typeface="Times New Roman" panose="02020603050405020304" pitchFamily="18" charset="0"/>
+              </a:rPr>
               <a:t>Ручное тестирование</a:t>
             </a:r>
           </a:p>
@@ -4865,31 +5860,152 @@
             <p:ph idx="1"/>
           </p:nvPr>
         </p:nvSpPr>
+        <p:spPr>
+          <a:xfrm>
+            <a:off x="838200" y="1825625"/>
+            <a:ext cx="9861884" cy="4351338"/>
+          </a:xfrm>
+        </p:spPr>
+        <p:txBody>
+          <a:bodyPr/>
+          <a:lstStyle/>
+          <a:p>
+            <a:pPr marL="0" indent="0">
+              <a:buNone/>
+            </a:pPr>
+            <a:r>
+              <a:rPr lang="ru-RU" b="1" dirty="0" smtClean="0">
+                <a:latin typeface="Times New Roman" panose="02020603050405020304" pitchFamily="18" charset="0"/>
+                <a:cs typeface="Times New Roman" panose="02020603050405020304" pitchFamily="18" charset="0"/>
+              </a:rPr>
+              <a:t>Цели:</a:t>
+            </a:r>
+          </a:p>
+          <a:p>
+            <a:pPr marL="457200" indent="-457200">
+              <a:buFont typeface="+mj-lt"/>
+              <a:buAutoNum type="arabicParenR"/>
+            </a:pPr>
+            <a:r>
+              <a:rPr lang="ru-RU" sz="2400" dirty="0" smtClean="0">
+                <a:latin typeface="Times New Roman" panose="02020603050405020304" pitchFamily="18" charset="0"/>
+                <a:cs typeface="Times New Roman" panose="02020603050405020304" pitchFamily="18" charset="0"/>
+              </a:rPr>
+              <a:t>Убедиться, что сайт существует;</a:t>
+            </a:r>
+          </a:p>
+          <a:p>
+            <a:pPr marL="457200" indent="-457200">
+              <a:buFont typeface="+mj-lt"/>
+              <a:buAutoNum type="arabicParenR"/>
+            </a:pPr>
+            <a:r>
+              <a:rPr lang="ru-RU" sz="2400" dirty="0" smtClean="0">
+                <a:latin typeface="Times New Roman" panose="02020603050405020304" pitchFamily="18" charset="0"/>
+                <a:cs typeface="Times New Roman" panose="02020603050405020304" pitchFamily="18" charset="0"/>
+              </a:rPr>
+              <a:t>Убедиться, что на сайте присутствуют основные элементы веб-сайта;</a:t>
+            </a:r>
+          </a:p>
+          <a:p>
+            <a:pPr marL="457200" indent="-457200">
+              <a:buFont typeface="+mj-lt"/>
+              <a:buAutoNum type="arabicParenR"/>
+            </a:pPr>
+            <a:r>
+              <a:rPr lang="ru-RU" sz="2400" dirty="0" smtClean="0">
+                <a:latin typeface="Times New Roman" panose="02020603050405020304" pitchFamily="18" charset="0"/>
+                <a:cs typeface="Times New Roman" panose="02020603050405020304" pitchFamily="18" charset="0"/>
+              </a:rPr>
+              <a:t>Убедиться, что указанные </a:t>
+            </a:r>
+            <a:r>
+              <a:rPr lang="en-US" sz="2400" dirty="0" smtClean="0">
+                <a:latin typeface="Times New Roman" panose="02020603050405020304" pitchFamily="18" charset="0"/>
+                <a:cs typeface="Times New Roman" panose="02020603050405020304" pitchFamily="18" charset="0"/>
+              </a:rPr>
+              <a:t>API</a:t>
+            </a:r>
+            <a:r>
+              <a:rPr lang="ru-RU" sz="2400" dirty="0" smtClean="0">
+                <a:latin typeface="Times New Roman" panose="02020603050405020304" pitchFamily="18" charset="0"/>
+                <a:cs typeface="Times New Roman" panose="02020603050405020304" pitchFamily="18" charset="0"/>
+              </a:rPr>
+              <a:t>-функции функционируют согласно описанию;</a:t>
+            </a:r>
+          </a:p>
+          <a:p>
+            <a:pPr marL="457200" indent="-457200">
+              <a:buFont typeface="+mj-lt"/>
+              <a:buAutoNum type="arabicParenR"/>
+            </a:pPr>
+            <a:r>
+              <a:rPr lang="ru-RU" sz="2400" dirty="0" smtClean="0">
+                <a:latin typeface="Times New Roman" panose="02020603050405020304" pitchFamily="18" charset="0"/>
+                <a:cs typeface="Times New Roman" panose="02020603050405020304" pitchFamily="18" charset="0"/>
+              </a:rPr>
+              <a:t>Убедиться в наличии </a:t>
+            </a:r>
+            <a:r>
+              <a:rPr lang="ru-RU" sz="2400" dirty="0" smtClean="0">
+                <a:latin typeface="Times New Roman" panose="02020603050405020304" pitchFamily="18" charset="0"/>
+                <a:cs typeface="Times New Roman" panose="02020603050405020304" pitchFamily="18" charset="0"/>
+              </a:rPr>
+              <a:t>тест-кейсов и </a:t>
+            </a:r>
+            <a:r>
+              <a:rPr lang="ru-RU" sz="2400" dirty="0" smtClean="0">
+                <a:latin typeface="Times New Roman" panose="02020603050405020304" pitchFamily="18" charset="0"/>
+                <a:cs typeface="Times New Roman" panose="02020603050405020304" pitchFamily="18" charset="0"/>
+              </a:rPr>
+              <a:t>описания к ним;</a:t>
+            </a:r>
+          </a:p>
+          <a:p>
+            <a:pPr marL="457200" indent="-457200">
+              <a:buFont typeface="+mj-lt"/>
+              <a:buAutoNum type="arabicParenR"/>
+            </a:pPr>
+            <a:r>
+              <a:rPr lang="ru-RU" sz="2400" dirty="0" smtClean="0">
+                <a:latin typeface="Times New Roman" panose="02020603050405020304" pitchFamily="18" charset="0"/>
+                <a:cs typeface="Times New Roman" panose="02020603050405020304" pitchFamily="18" charset="0"/>
+              </a:rPr>
+              <a:t>Убедиться, что в обеспечении обратной связи с разработчиком.</a:t>
+            </a:r>
+            <a:endParaRPr lang="ru-RU" sz="2400" dirty="0" smtClean="0">
+              <a:latin typeface="Times New Roman" panose="02020603050405020304" pitchFamily="18" charset="0"/>
+              <a:cs typeface="Times New Roman" panose="02020603050405020304" pitchFamily="18" charset="0"/>
+            </a:endParaRPr>
+          </a:p>
+        </p:txBody>
+      </p:sp>
+      <p:sp>
+        <p:nvSpPr>
+          <p:cNvPr id="4" name="Номер слайда 3"/>
+          <p:cNvSpPr>
+            <a:spLocks noGrp="1"/>
+          </p:cNvSpPr>
+          <p:nvPr>
+            <p:ph type="sldNum" sz="quarter" idx="12"/>
+          </p:nvPr>
+        </p:nvSpPr>
         <p:spPr/>
         <p:txBody>
           <a:bodyPr/>
           <a:lstStyle/>
           <a:p>
-            <a:r>
-              <a:rPr lang="ru-RU"/>
-              <a:t>Ручное тестирование проводилось в части удостоверения наличия сайта, важных кнопок, ссылок и сложных в автоматизации процессов + тестирование </a:t>
-            </a:r>
-            <a:r>
-              <a:rPr lang="en-US"/>
-              <a:t>API</a:t>
-            </a:r>
-            <a:r>
-              <a:rPr lang="ru-RU"/>
-              <a:t> в </a:t>
-            </a:r>
-            <a:r>
-              <a:rPr lang="en-US"/>
-              <a:t>JMeter</a:t>
-            </a:r>
-            <a:r>
-              <a:rPr lang="ru-RU"/>
-              <a:t>.</a:t>
-            </a:r>
+            <a:fld id="{707E345D-6FE0-4977-A3DF-5875ED8E59A8}" type="slidenum">
+              <a:rPr lang="en-US" smtClean="0">
+                <a:latin typeface="Times New Roman" panose="02020603050405020304" pitchFamily="18" charset="0"/>
+                <a:cs typeface="Times New Roman" panose="02020603050405020304" pitchFamily="18" charset="0"/>
+              </a:rPr>
+              <a:t>5</a:t>
+            </a:fld>
+            <a:endParaRPr lang="en-US">
+              <a:latin typeface="Times New Roman" panose="02020603050405020304" pitchFamily="18" charset="0"/>
+              <a:cs typeface="Times New Roman" panose="02020603050405020304" pitchFamily="18" charset="0"/>
+            </a:endParaRPr>
           </a:p>
         </p:txBody>
       </p:sp>
@@ -4898,6 +6014,13 @@
   <p:clrMapOvr>
     <a:masterClrMapping/>
   </p:clrMapOvr>
+  <p:timing>
+    <p:tnLst>
+      <p:par>
+        <p:cTn id="1" dur="indefinite" restart="never" nodeType="tmRoot"/>
+      </p:par>
+    </p:tnLst>
+  </p:timing>
 </p:sld>
 </file>
 
@@ -4934,7 +6057,13 @@
           <a:lstStyle/>
           <a:p>
             <a:r>
-              <a:rPr lang="ru-RU"/>
+              <a:rPr lang="ru-RU" dirty="0">
+                <a:solidFill>
+                  <a:srgbClr val="FF0000"/>
+                </a:solidFill>
+                <a:latin typeface="Times New Roman" panose="02020603050405020304" pitchFamily="18" charset="0"/>
+                <a:cs typeface="Times New Roman" panose="02020603050405020304" pitchFamily="18" charset="0"/>
+              </a:rPr>
               <a:t>Автоматизированное тестирование</a:t>
             </a:r>
           </a:p>
@@ -4952,13 +6081,127 @@
         </p:nvSpPr>
         <p:spPr/>
         <p:txBody>
-          <a:bodyPr/>
-          <a:lstStyle/>
-          <a:p>
-            <a:r>
-              <a:rPr lang="ru-RU"/>
-              <a:t>Автоматизированное тестирование проводилось в части рутинных действий пользователем: клики, вводы данных и пр., т.е. то,что можно будет в будущем не менять.</a:t>
-            </a:r>
+          <a:bodyPr>
+            <a:normAutofit/>
+          </a:bodyPr>
+          <a:lstStyle/>
+          <a:p>
+            <a:pPr marL="0" indent="0">
+              <a:buNone/>
+            </a:pPr>
+            <a:r>
+              <a:rPr lang="ru-RU" b="1" dirty="0" smtClean="0">
+                <a:latin typeface="Times New Roman" panose="02020603050405020304" pitchFamily="18" charset="0"/>
+                <a:cs typeface="Times New Roman" panose="02020603050405020304" pitchFamily="18" charset="0"/>
+              </a:rPr>
+              <a:t>Цели:</a:t>
+            </a:r>
+          </a:p>
+          <a:p>
+            <a:pPr marL="457200" indent="-457200">
+              <a:buFont typeface="+mj-lt"/>
+              <a:buAutoNum type="arabicParenR"/>
+            </a:pPr>
+            <a:r>
+              <a:rPr lang="ru-RU" sz="2400" dirty="0" smtClean="0">
+                <a:latin typeface="Times New Roman" panose="02020603050405020304" pitchFamily="18" charset="0"/>
+                <a:cs typeface="Times New Roman" panose="02020603050405020304" pitchFamily="18" charset="0"/>
+              </a:rPr>
+              <a:t>Уменьшить количество ручных тестов в части рутинных действий пользователя;</a:t>
+            </a:r>
+          </a:p>
+          <a:p>
+            <a:pPr marL="457200" indent="-457200">
+              <a:buFont typeface="+mj-lt"/>
+              <a:buAutoNum type="arabicParenR"/>
+            </a:pPr>
+            <a:r>
+              <a:rPr lang="ru-RU" sz="2400" dirty="0" smtClean="0">
+                <a:latin typeface="Times New Roman" panose="02020603050405020304" pitchFamily="18" charset="0"/>
+                <a:cs typeface="Times New Roman" panose="02020603050405020304" pitchFamily="18" charset="0"/>
+              </a:rPr>
+              <a:t>Ускорить проведение регрессионного тестирования.</a:t>
+            </a:r>
+          </a:p>
+          <a:p>
+            <a:pPr marL="0" indent="0">
+              <a:buNone/>
+            </a:pPr>
+            <a:r>
+              <a:rPr lang="ru-RU" b="1" dirty="0" smtClean="0">
+                <a:latin typeface="Times New Roman" panose="02020603050405020304" pitchFamily="18" charset="0"/>
+                <a:cs typeface="Times New Roman" panose="02020603050405020304" pitchFamily="18" charset="0"/>
+              </a:rPr>
+              <a:t>Задачи:</a:t>
+            </a:r>
+          </a:p>
+          <a:p>
+            <a:pPr marL="457200" indent="-457200">
+              <a:buFont typeface="+mj-lt"/>
+              <a:buAutoNum type="alphaLcParenR"/>
+            </a:pPr>
+            <a:r>
+              <a:rPr lang="ru-RU" sz="2400" dirty="0" smtClean="0">
+                <a:latin typeface="Times New Roman" panose="02020603050405020304" pitchFamily="18" charset="0"/>
+                <a:cs typeface="Times New Roman" panose="02020603050405020304" pitchFamily="18" charset="0"/>
+              </a:rPr>
+              <a:t>Обеспечить проверке работы навигационного меню, корзины и фильтрации по брендам;</a:t>
+            </a:r>
+          </a:p>
+          <a:p>
+            <a:pPr marL="457200" indent="-457200">
+              <a:buFont typeface="+mj-lt"/>
+              <a:buAutoNum type="alphaLcParenR"/>
+            </a:pPr>
+            <a:r>
+              <a:rPr lang="ru-RU" sz="2400" dirty="0" smtClean="0">
+                <a:latin typeface="Times New Roman" panose="02020603050405020304" pitchFamily="18" charset="0"/>
+                <a:cs typeface="Times New Roman" panose="02020603050405020304" pitchFamily="18" charset="0"/>
+              </a:rPr>
+              <a:t>Обеспечить проверку проведения платежа по товарам из корзины;</a:t>
+            </a:r>
+          </a:p>
+          <a:p>
+            <a:pPr marL="457200" indent="-457200">
+              <a:buFont typeface="+mj-lt"/>
+              <a:buAutoNum type="alphaLcParenR"/>
+            </a:pPr>
+            <a:r>
+              <a:rPr lang="ru-RU" sz="2400" dirty="0" smtClean="0">
+                <a:latin typeface="Times New Roman" panose="02020603050405020304" pitchFamily="18" charset="0"/>
+                <a:cs typeface="Times New Roman" panose="02020603050405020304" pitchFamily="18" charset="0"/>
+              </a:rPr>
+              <a:t>Обеспечить проверку работы функции карточки одного продукта: оставление отзыва и добавление товаров в корзину.</a:t>
+            </a:r>
+          </a:p>
+        </p:txBody>
+      </p:sp>
+      <p:sp>
+        <p:nvSpPr>
+          <p:cNvPr id="4" name="Номер слайда 3"/>
+          <p:cNvSpPr>
+            <a:spLocks noGrp="1"/>
+          </p:cNvSpPr>
+          <p:nvPr>
+            <p:ph type="sldNum" sz="quarter" idx="12"/>
+          </p:nvPr>
+        </p:nvSpPr>
+        <p:spPr/>
+        <p:txBody>
+          <a:bodyPr/>
+          <a:lstStyle/>
+          <a:p>
+            <a:fld id="{707E345D-6FE0-4977-A3DF-5875ED8E59A8}" type="slidenum">
+              <a:rPr lang="en-US" smtClean="0">
+                <a:latin typeface="Times New Roman" panose="02020603050405020304" pitchFamily="18" charset="0"/>
+                <a:cs typeface="Times New Roman" panose="02020603050405020304" pitchFamily="18" charset="0"/>
+              </a:rPr>
+              <a:t>6</a:t>
+            </a:fld>
+            <a:endParaRPr lang="en-US">
+              <a:latin typeface="Times New Roman" panose="02020603050405020304" pitchFamily="18" charset="0"/>
+              <a:cs typeface="Times New Roman" panose="02020603050405020304" pitchFamily="18" charset="0"/>
+            </a:endParaRPr>
           </a:p>
         </p:txBody>
       </p:sp>
@@ -4967,6 +6210,13 @@
   <p:clrMapOvr>
     <a:masterClrMapping/>
   </p:clrMapOvr>
+  <p:timing>
+    <p:tnLst>
+      <p:par>
+        <p:cTn id="1" dur="indefinite" restart="never" nodeType="tmRoot"/>
+      </p:par>
+    </p:tnLst>
+  </p:timing>
 </p:sld>
 </file>
 
@@ -5003,7 +6253,13 @@
           <a:lstStyle/>
           <a:p>
             <a:r>
-              <a:rPr lang="ru-RU"/>
+              <a:rPr lang="ru-RU" dirty="0">
+                <a:solidFill>
+                  <a:srgbClr val="FF0000"/>
+                </a:solidFill>
+                <a:latin typeface="Times New Roman" panose="02020603050405020304" pitchFamily="18" charset="0"/>
+                <a:cs typeface="Times New Roman" panose="02020603050405020304" pitchFamily="18" charset="0"/>
+              </a:rPr>
               <a:t>Выявленные ошибки</a:t>
             </a:r>
           </a:p>
@@ -5025,37 +6281,114 @@
           <a:lstStyle/>
           <a:p>
             <a:r>
-              <a:rPr lang="ru-RU"/>
-              <a:t>Наиболее критичные ошибки:</a:t>
-            </a:r>
-          </a:p>
-          <a:p>
-            <a:pPr marL="685800" lvl="1"/>
-            <a:r>
-              <a:rPr lang="ru-RU"/>
-              <a:t>ошибка с безопасностью при вводе данных владельца карты</a:t>
-            </a:r>
-          </a:p>
-          <a:p>
-            <a:pPr marL="685800" lvl="1"/>
-            <a:r>
-              <a:rPr lang="ru-RU"/>
-              <a:t>прописные буквы в ссылках на бренды</a:t>
+              <a:rPr lang="ru-RU" dirty="0">
+                <a:latin typeface="Times New Roman" panose="02020603050405020304" pitchFamily="18" charset="0"/>
+                <a:cs typeface="Times New Roman" panose="02020603050405020304" pitchFamily="18" charset="0"/>
+              </a:rPr>
+              <a:t>Всего выявлено ошибок: 17.</a:t>
+            </a:r>
+          </a:p>
+          <a:p>
+            <a:r>
+              <a:rPr lang="ru-RU" dirty="0" smtClean="0">
+                <a:latin typeface="Times New Roman" panose="02020603050405020304" pitchFamily="18" charset="0"/>
+                <a:cs typeface="Times New Roman" panose="02020603050405020304" pitchFamily="18" charset="0"/>
+              </a:rPr>
+              <a:t>Наиболее </a:t>
+            </a:r>
+            <a:r>
+              <a:rPr lang="ru-RU" u="sng" dirty="0">
+                <a:latin typeface="Times New Roman" panose="02020603050405020304" pitchFamily="18" charset="0"/>
+                <a:cs typeface="Times New Roman" panose="02020603050405020304" pitchFamily="18" charset="0"/>
+              </a:rPr>
+              <a:t>критичные</a:t>
+            </a:r>
+            <a:r>
+              <a:rPr lang="ru-RU" dirty="0">
+                <a:latin typeface="Times New Roman" panose="02020603050405020304" pitchFamily="18" charset="0"/>
+                <a:cs typeface="Times New Roman" panose="02020603050405020304" pitchFamily="18" charset="0"/>
+              </a:rPr>
+              <a:t> ошибки:</a:t>
+            </a:r>
+          </a:p>
+          <a:p>
+            <a:pPr marL="914400" lvl="1" indent="-457200">
+              <a:buFont typeface="+mj-lt"/>
+              <a:buAutoNum type="arabicParenR"/>
+            </a:pPr>
+            <a:r>
+              <a:rPr lang="ru-RU" dirty="0">
+                <a:latin typeface="Times New Roman" panose="02020603050405020304" pitchFamily="18" charset="0"/>
+                <a:cs typeface="Times New Roman" panose="02020603050405020304" pitchFamily="18" charset="0"/>
+              </a:rPr>
+              <a:t>ошибка с безопасностью при вводе данных владельца </a:t>
+            </a:r>
+            <a:r>
+              <a:rPr lang="ru-RU" dirty="0" smtClean="0">
+                <a:latin typeface="Times New Roman" panose="02020603050405020304" pitchFamily="18" charset="0"/>
+                <a:cs typeface="Times New Roman" panose="02020603050405020304" pitchFamily="18" charset="0"/>
+              </a:rPr>
+              <a:t>карты;</a:t>
+            </a:r>
+          </a:p>
+          <a:p>
+            <a:pPr marL="914400" lvl="1" indent="-457200">
+              <a:buFont typeface="+mj-lt"/>
+              <a:buAutoNum type="arabicParenR"/>
+            </a:pPr>
+            <a:r>
+              <a:rPr lang="ru-RU" dirty="0" smtClean="0">
+                <a:latin typeface="Times New Roman" panose="02020603050405020304" pitchFamily="18" charset="0"/>
+                <a:cs typeface="Times New Roman" panose="02020603050405020304" pitchFamily="18" charset="0"/>
+              </a:rPr>
+              <a:t>прописные буквы в ссылках на бренды.</a:t>
             </a:r>
           </a:p>
           <a:p>
             <a:pPr marL="228600"/>
             <a:r>
-              <a:rPr lang="ru-RU"/>
-              <a:t>Всего выявлено багов: 17.</a:t>
-            </a:r>
-          </a:p>
-          <a:p>
-            <a:pPr marL="228600"/>
-            <a:r>
-              <a:rPr lang="ru-RU"/>
-              <a:t>Критически ошибок: 0.</a:t>
-            </a:r>
+              <a:rPr lang="ru-RU" dirty="0" smtClean="0">
+                <a:latin typeface="Times New Roman" panose="02020603050405020304" pitchFamily="18" charset="0"/>
+                <a:cs typeface="Times New Roman" panose="02020603050405020304" pitchFamily="18" charset="0"/>
+              </a:rPr>
+              <a:t>Ошибок, влияющих на стабильность работы: </a:t>
+            </a:r>
+            <a:r>
+              <a:rPr lang="ru-RU" dirty="0">
+                <a:latin typeface="Times New Roman" panose="02020603050405020304" pitchFamily="18" charset="0"/>
+                <a:cs typeface="Times New Roman" panose="02020603050405020304" pitchFamily="18" charset="0"/>
+              </a:rPr>
+              <a:t>0.</a:t>
+            </a:r>
+          </a:p>
+        </p:txBody>
+      </p:sp>
+      <p:sp>
+        <p:nvSpPr>
+          <p:cNvPr id="4" name="Номер слайда 3"/>
+          <p:cNvSpPr>
+            <a:spLocks noGrp="1"/>
+          </p:cNvSpPr>
+          <p:nvPr>
+            <p:ph type="sldNum" sz="quarter" idx="12"/>
+          </p:nvPr>
+        </p:nvSpPr>
+        <p:spPr/>
+        <p:txBody>
+          <a:bodyPr/>
+          <a:lstStyle/>
+          <a:p>
+            <a:fld id="{707E345D-6FE0-4977-A3DF-5875ED8E59A8}" type="slidenum">
+              <a:rPr lang="en-US" smtClean="0">
+                <a:latin typeface="Times New Roman" panose="02020603050405020304" pitchFamily="18" charset="0"/>
+                <a:cs typeface="Times New Roman" panose="02020603050405020304" pitchFamily="18" charset="0"/>
+              </a:rPr>
+              <a:t>7</a:t>
+            </a:fld>
+            <a:endParaRPr lang="en-US">
+              <a:latin typeface="Times New Roman" panose="02020603050405020304" pitchFamily="18" charset="0"/>
+              <a:cs typeface="Times New Roman" panose="02020603050405020304" pitchFamily="18" charset="0"/>
+            </a:endParaRPr>
           </a:p>
         </p:txBody>
       </p:sp>
@@ -5064,6 +6397,13 @@
   <p:clrMapOvr>
     <a:masterClrMapping/>
   </p:clrMapOvr>
+  <p:timing>
+    <p:tnLst>
+      <p:par>
+        <p:cTn id="1" dur="indefinite" restart="never" nodeType="tmRoot"/>
+      </p:par>
+    </p:tnLst>
+  </p:timing>
 </p:sld>
 </file>
 
@@ -5100,7 +6440,13 @@
           <a:lstStyle/>
           <a:p>
             <a:r>
-              <a:rPr lang="ru-RU"/>
+              <a:rPr lang="ru-RU" dirty="0">
+                <a:solidFill>
+                  <a:srgbClr val="FF0000"/>
+                </a:solidFill>
+                <a:latin typeface="Times New Roman" panose="02020603050405020304" pitchFamily="18" charset="0"/>
+                <a:cs typeface="Times New Roman" panose="02020603050405020304" pitchFamily="18" charset="0"/>
+              </a:rPr>
               <a:t>Результаты тестирования</a:t>
             </a:r>
           </a:p>
@@ -5118,13 +6464,99 @@
         </p:nvSpPr>
         <p:spPr/>
         <p:txBody>
-          <a:bodyPr/>
-          <a:lstStyle/>
-          <a:p>
-            <a:r>
-              <a:rPr lang="ru-RU"/>
-              <a:t>По результатам тестирования необходимо усилить безопасность передачи данных и скорректировать ссылки на бренды + имеются менее важные баги, в целом не влияющие на работоспособность веб-ресурса.</a:t>
-            </a:r>
+          <a:bodyPr>
+            <a:normAutofit/>
+          </a:bodyPr>
+          <a:lstStyle/>
+          <a:p>
+            <a:pPr marL="0" indent="0">
+              <a:buNone/>
+            </a:pPr>
+            <a:r>
+              <a:rPr lang="ru-RU" b="1" dirty="0" smtClean="0">
+                <a:latin typeface="Times New Roman" panose="02020603050405020304" pitchFamily="18" charset="0"/>
+                <a:cs typeface="Times New Roman" panose="02020603050405020304" pitchFamily="18" charset="0"/>
+              </a:rPr>
+              <a:t>Заключение:</a:t>
+            </a:r>
+            <a:endParaRPr lang="ru-RU" b="1" dirty="0">
+              <a:latin typeface="Times New Roman" panose="02020603050405020304" pitchFamily="18" charset="0"/>
+              <a:cs typeface="Times New Roman" panose="02020603050405020304" pitchFamily="18" charset="0"/>
+            </a:endParaRPr>
+          </a:p>
+          <a:p>
+            <a:pPr lvl="0"/>
+            <a:r>
+              <a:rPr lang="ru-RU" dirty="0">
+                <a:latin typeface="Times New Roman" panose="02020603050405020304" pitchFamily="18" charset="0"/>
+                <a:cs typeface="Times New Roman" panose="02020603050405020304" pitchFamily="18" charset="0"/>
+              </a:rPr>
+              <a:t>Необходимо усилить безопасность передачи данных в части заполнения данных о банковских реквизитах либо использовать современные платежные </a:t>
+            </a:r>
+            <a:r>
+              <a:rPr lang="en-US" dirty="0">
+                <a:latin typeface="Times New Roman" panose="02020603050405020304" pitchFamily="18" charset="0"/>
+                <a:cs typeface="Times New Roman" panose="02020603050405020304" pitchFamily="18" charset="0"/>
+              </a:rPr>
+              <a:t>API</a:t>
+            </a:r>
+            <a:r>
+              <a:rPr lang="ru-RU" dirty="0">
+                <a:latin typeface="Times New Roman" panose="02020603050405020304" pitchFamily="18" charset="0"/>
+                <a:cs typeface="Times New Roman" panose="02020603050405020304" pitchFamily="18" charset="0"/>
+              </a:rPr>
+              <a:t>;</a:t>
+            </a:r>
+          </a:p>
+          <a:p>
+            <a:pPr lvl="0"/>
+            <a:r>
+              <a:rPr lang="ru-RU" dirty="0">
+                <a:latin typeface="Times New Roman" panose="02020603050405020304" pitchFamily="18" charset="0"/>
+                <a:cs typeface="Times New Roman" panose="02020603050405020304" pitchFamily="18" charset="0"/>
+              </a:rPr>
+              <a:t>Необходимо скорректировать код для возможности прямого доступа по ссылке к брендам</a:t>
+            </a:r>
+            <a:r>
+              <a:rPr lang="ru-RU" dirty="0" smtClean="0">
+                <a:latin typeface="Times New Roman" panose="02020603050405020304" pitchFamily="18" charset="0"/>
+                <a:cs typeface="Times New Roman" panose="02020603050405020304" pitchFamily="18" charset="0"/>
+              </a:rPr>
+              <a:t>.</a:t>
+            </a:r>
+            <a:endParaRPr lang="ru-RU" dirty="0">
+              <a:latin typeface="Times New Roman" panose="02020603050405020304" pitchFamily="18" charset="0"/>
+              <a:cs typeface="Times New Roman" panose="02020603050405020304" pitchFamily="18" charset="0"/>
+            </a:endParaRPr>
+          </a:p>
+        </p:txBody>
+      </p:sp>
+      <p:sp>
+        <p:nvSpPr>
+          <p:cNvPr id="4" name="Номер слайда 3"/>
+          <p:cNvSpPr>
+            <a:spLocks noGrp="1"/>
+          </p:cNvSpPr>
+          <p:nvPr>
+            <p:ph type="sldNum" sz="quarter" idx="12"/>
+          </p:nvPr>
+        </p:nvSpPr>
+        <p:spPr/>
+        <p:txBody>
+          <a:bodyPr/>
+          <a:lstStyle/>
+          <a:p>
+            <a:fld id="{707E345D-6FE0-4977-A3DF-5875ED8E59A8}" type="slidenum">
+              <a:rPr lang="en-US" smtClean="0">
+                <a:latin typeface="Times New Roman" panose="02020603050405020304" pitchFamily="18" charset="0"/>
+                <a:cs typeface="Times New Roman" panose="02020603050405020304" pitchFamily="18" charset="0"/>
+              </a:rPr>
+              <a:t>8</a:t>
+            </a:fld>
+            <a:endParaRPr lang="en-US">
+              <a:latin typeface="Times New Roman" panose="02020603050405020304" pitchFamily="18" charset="0"/>
+              <a:cs typeface="Times New Roman" panose="02020603050405020304" pitchFamily="18" charset="0"/>
+            </a:endParaRPr>
           </a:p>
         </p:txBody>
       </p:sp>
@@ -5133,6 +6565,13 @@
   <p:clrMapOvr>
     <a:masterClrMapping/>
   </p:clrMapOvr>
+  <p:timing>
+    <p:tnLst>
+      <p:par>
+        <p:cTn id="1" dur="indefinite" restart="never" nodeType="tmRoot"/>
+      </p:par>
+    </p:tnLst>
+  </p:timing>
 </p:sld>
 </file>
 
@@ -5169,7 +6608,13 @@
           <a:lstStyle/>
           <a:p>
             <a:r>
-              <a:rPr lang="ru-RU"/>
+              <a:rPr lang="ru-RU" dirty="0">
+                <a:solidFill>
+                  <a:srgbClr val="FF0000"/>
+                </a:solidFill>
+                <a:latin typeface="Times New Roman" panose="02020603050405020304" pitchFamily="18" charset="0"/>
+                <a:cs typeface="Times New Roman" panose="02020603050405020304" pitchFamily="18" charset="0"/>
+              </a:rPr>
               <a:t>Заключение</a:t>
             </a:r>
           </a:p>
@@ -5191,43 +6636,127 @@
           <a:lstStyle/>
           <a:p>
             <a:r>
-              <a:rPr lang="ru-RU"/>
+              <a:rPr lang="ru-RU" dirty="0">
+                <a:latin typeface="Times New Roman" panose="02020603050405020304" pitchFamily="18" charset="0"/>
+                <a:cs typeface="Times New Roman" panose="02020603050405020304" pitchFamily="18" charset="0"/>
+              </a:rPr>
               <a:t>В результате проведенного исследования:</a:t>
             </a:r>
           </a:p>
           <a:p>
             <a:pPr marL="685800" lvl="1"/>
             <a:r>
-              <a:rPr lang="ru-RU"/>
-              <a:t>разработан тест-план</a:t>
-            </a:r>
+              <a:rPr lang="ru-RU" dirty="0">
+                <a:latin typeface="Times New Roman" panose="02020603050405020304" pitchFamily="18" charset="0"/>
+                <a:cs typeface="Times New Roman" panose="02020603050405020304" pitchFamily="18" charset="0"/>
+              </a:rPr>
+              <a:t>разработан </a:t>
+            </a:r>
+            <a:r>
+              <a:rPr lang="ru-RU" dirty="0" smtClean="0">
+                <a:latin typeface="Times New Roman" panose="02020603050405020304" pitchFamily="18" charset="0"/>
+                <a:cs typeface="Times New Roman" panose="02020603050405020304" pitchFamily="18" charset="0"/>
+              </a:rPr>
+              <a:t>тест-план;</a:t>
+            </a:r>
+            <a:endParaRPr lang="ru-RU" dirty="0">
+              <a:latin typeface="Times New Roman" panose="02020603050405020304" pitchFamily="18" charset="0"/>
+              <a:cs typeface="Times New Roman" panose="02020603050405020304" pitchFamily="18" charset="0"/>
+            </a:endParaRPr>
           </a:p>
           <a:p>
             <a:pPr marL="685800" lvl="1"/>
             <a:r>
-              <a:rPr lang="ru-RU"/>
-              <a:t>разработаны ручные и авто- тесты</a:t>
-            </a:r>
+              <a:rPr lang="ru-RU" dirty="0">
+                <a:latin typeface="Times New Roman" panose="02020603050405020304" pitchFamily="18" charset="0"/>
+                <a:cs typeface="Times New Roman" panose="02020603050405020304" pitchFamily="18" charset="0"/>
+              </a:rPr>
+              <a:t>разработаны ручные и </a:t>
+            </a:r>
+            <a:r>
+              <a:rPr lang="ru-RU" dirty="0" smtClean="0">
+                <a:latin typeface="Times New Roman" panose="02020603050405020304" pitchFamily="18" charset="0"/>
+                <a:cs typeface="Times New Roman" panose="02020603050405020304" pitchFamily="18" charset="0"/>
+              </a:rPr>
+              <a:t>автоматизированные тесты;</a:t>
+            </a:r>
+            <a:endParaRPr lang="ru-RU" dirty="0">
+              <a:latin typeface="Times New Roman" panose="02020603050405020304" pitchFamily="18" charset="0"/>
+              <a:cs typeface="Times New Roman" panose="02020603050405020304" pitchFamily="18" charset="0"/>
+            </a:endParaRPr>
           </a:p>
           <a:p>
             <a:pPr marL="685800" lvl="1"/>
             <a:r>
-              <a:rPr lang="ru-RU"/>
-              <a:t>оформлены ошибки</a:t>
-            </a:r>
+              <a:rPr lang="ru-RU" dirty="0">
+                <a:latin typeface="Times New Roman" panose="02020603050405020304" pitchFamily="18" charset="0"/>
+                <a:cs typeface="Times New Roman" panose="02020603050405020304" pitchFamily="18" charset="0"/>
+              </a:rPr>
+              <a:t>оформлены </a:t>
+            </a:r>
+            <a:r>
+              <a:rPr lang="ru-RU" dirty="0" smtClean="0">
+                <a:latin typeface="Times New Roman" panose="02020603050405020304" pitchFamily="18" charset="0"/>
+                <a:cs typeface="Times New Roman" panose="02020603050405020304" pitchFamily="18" charset="0"/>
+              </a:rPr>
+              <a:t>ошибки;</a:t>
+            </a:r>
+            <a:endParaRPr lang="ru-RU" dirty="0">
+              <a:latin typeface="Times New Roman" panose="02020603050405020304" pitchFamily="18" charset="0"/>
+              <a:cs typeface="Times New Roman" panose="02020603050405020304" pitchFamily="18" charset="0"/>
+            </a:endParaRPr>
           </a:p>
           <a:p>
             <a:pPr marL="685800" lvl="1"/>
             <a:r>
-              <a:rPr lang="ru-RU"/>
+              <a:rPr lang="ru-RU" dirty="0">
+                <a:latin typeface="Times New Roman" panose="02020603050405020304" pitchFamily="18" charset="0"/>
+                <a:cs typeface="Times New Roman" panose="02020603050405020304" pitchFamily="18" charset="0"/>
+              </a:rPr>
               <a:t>сформирован отчет о тестировании.</a:t>
             </a:r>
           </a:p>
           <a:p>
             <a:r>
-              <a:rPr lang="ru-RU"/>
-              <a:t>Сформирован следующий вывод: пользователям рекомендуется использовать веб-сайт только в информационных целях и не передавать личные данные в формах сайта.</a:t>
-            </a:r>
+              <a:rPr lang="ru-RU" dirty="0" smtClean="0">
+                <a:latin typeface="Times New Roman" panose="02020603050405020304" pitchFamily="18" charset="0"/>
+                <a:cs typeface="Times New Roman" panose="02020603050405020304" pitchFamily="18" charset="0"/>
+              </a:rPr>
+              <a:t>Сформировано экспертное заключение инженера по тестированию.</a:t>
+            </a:r>
+            <a:endParaRPr lang="ru-RU" dirty="0">
+              <a:latin typeface="Times New Roman" panose="02020603050405020304" pitchFamily="18" charset="0"/>
+              <a:cs typeface="Times New Roman" panose="02020603050405020304" pitchFamily="18" charset="0"/>
+            </a:endParaRPr>
+          </a:p>
+        </p:txBody>
+      </p:sp>
+      <p:sp>
+        <p:nvSpPr>
+          <p:cNvPr id="4" name="Номер слайда 3"/>
+          <p:cNvSpPr>
+            <a:spLocks noGrp="1"/>
+          </p:cNvSpPr>
+          <p:nvPr>
+            <p:ph type="sldNum" sz="quarter" idx="12"/>
+          </p:nvPr>
+        </p:nvSpPr>
+        <p:spPr/>
+        <p:txBody>
+          <a:bodyPr/>
+          <a:lstStyle/>
+          <a:p>
+            <a:fld id="{707E345D-6FE0-4977-A3DF-5875ED8E59A8}" type="slidenum">
+              <a:rPr lang="en-US" smtClean="0">
+                <a:latin typeface="Times New Roman" panose="02020603050405020304" pitchFamily="18" charset="0"/>
+                <a:cs typeface="Times New Roman" panose="02020603050405020304" pitchFamily="18" charset="0"/>
+              </a:rPr>
+              <a:t>9</a:t>
+            </a:fld>
+            <a:endParaRPr lang="en-US">
+              <a:latin typeface="Times New Roman" panose="02020603050405020304" pitchFamily="18" charset="0"/>
+              <a:cs typeface="Times New Roman" panose="02020603050405020304" pitchFamily="18" charset="0"/>
+            </a:endParaRPr>
           </a:p>
         </p:txBody>
       </p:sp>
@@ -5236,6 +6765,13 @@
   <p:clrMapOvr>
     <a:masterClrMapping/>
   </p:clrMapOvr>
+  <p:timing>
+    <p:tnLst>
+      <p:par>
+        <p:cTn id="1" dur="indefinite" restart="never" nodeType="tmRoot"/>
+      </p:par>
+    </p:tnLst>
+  </p:timing>
 </p:sld>
 </file>
 
@@ -5528,7 +7064,7 @@
   <a:extraClrSchemeLst/>
   <a:extLst>
     <a:ext uri="{05A4C25C-085E-4340-85A3-A5531E510DB2}">
-      <thm15:themeFamily xmlns:thm15="http://schemas.microsoft.com/office/thememl/2012/main" name="Default" id="{62F939B6-93AF-4DB8-9C6B-D6C7DFDC589F}" vid="{4A3C46E8-61CC-4603-A589-7422A47A8E4A}"/>
+      <thm15:themeFamily xmlns:thm15="http://schemas.microsoft.com/office/thememl/2012/main" xmlns="" name="Default" id="{62F939B6-93AF-4DB8-9C6B-D6C7DFDC589F}" vid="{4A3C46E8-61CC-4603-A589-7422A47A8E4A}"/>
     </a:ext>
   </a:extLst>
 </a:theme>
